--- a/dapr1_lectures/dapr1_2_01_confint/un_boot_ci.pptx
+++ b/dapr1_lectures/dapr1_2_01_confint/un_boot_ci.pptx
@@ -14,6 +14,8 @@
     <p:sldId id="257" r:id="rId8"/>
     <p:sldId id="261" r:id="rId9"/>
     <p:sldId id="263" r:id="rId10"/>
+    <p:sldId id="266" r:id="rId11"/>
+    <p:sldId id="267" r:id="rId12"/>
   </p:sldIdLst>
   <p:sldSz cx="12192000" cy="6858000"/>
   <p:notesSz cx="6858000" cy="9144000"/>
@@ -269,7 +271,7 @@
           <a:p>
             <a:fld id="{EE875489-659F-0740-A353-EEFBF8838272}" type="datetimeFigureOut">
               <a:rPr lang="en-US" smtClean="0"/>
-              <a:t>1/14/22</a:t>
+              <a:t>1/15/22</a:t>
             </a:fld>
             <a:endParaRPr lang="en-US"/>
           </a:p>
@@ -469,7 +471,7 @@
           <a:p>
             <a:fld id="{EE875489-659F-0740-A353-EEFBF8838272}" type="datetimeFigureOut">
               <a:rPr lang="en-US" smtClean="0"/>
-              <a:t>1/14/22</a:t>
+              <a:t>1/15/22</a:t>
             </a:fld>
             <a:endParaRPr lang="en-US"/>
           </a:p>
@@ -679,7 +681,7 @@
           <a:p>
             <a:fld id="{EE875489-659F-0740-A353-EEFBF8838272}" type="datetimeFigureOut">
               <a:rPr lang="en-US" smtClean="0"/>
-              <a:t>1/14/22</a:t>
+              <a:t>1/15/22</a:t>
             </a:fld>
             <a:endParaRPr lang="en-US"/>
           </a:p>
@@ -879,7 +881,7 @@
           <a:p>
             <a:fld id="{EE875489-659F-0740-A353-EEFBF8838272}" type="datetimeFigureOut">
               <a:rPr lang="en-US" smtClean="0"/>
-              <a:t>1/14/22</a:t>
+              <a:t>1/15/22</a:t>
             </a:fld>
             <a:endParaRPr lang="en-US"/>
           </a:p>
@@ -1155,7 +1157,7 @@
           <a:p>
             <a:fld id="{EE875489-659F-0740-A353-EEFBF8838272}" type="datetimeFigureOut">
               <a:rPr lang="en-US" smtClean="0"/>
-              <a:t>1/14/22</a:t>
+              <a:t>1/15/22</a:t>
             </a:fld>
             <a:endParaRPr lang="en-US"/>
           </a:p>
@@ -1423,7 +1425,7 @@
           <a:p>
             <a:fld id="{EE875489-659F-0740-A353-EEFBF8838272}" type="datetimeFigureOut">
               <a:rPr lang="en-US" smtClean="0"/>
-              <a:t>1/14/22</a:t>
+              <a:t>1/15/22</a:t>
             </a:fld>
             <a:endParaRPr lang="en-US"/>
           </a:p>
@@ -1838,7 +1840,7 @@
           <a:p>
             <a:fld id="{EE875489-659F-0740-A353-EEFBF8838272}" type="datetimeFigureOut">
               <a:rPr lang="en-US" smtClean="0"/>
-              <a:t>1/14/22</a:t>
+              <a:t>1/15/22</a:t>
             </a:fld>
             <a:endParaRPr lang="en-US"/>
           </a:p>
@@ -1980,7 +1982,7 @@
           <a:p>
             <a:fld id="{EE875489-659F-0740-A353-EEFBF8838272}" type="datetimeFigureOut">
               <a:rPr lang="en-US" smtClean="0"/>
-              <a:t>1/14/22</a:t>
+              <a:t>1/15/22</a:t>
             </a:fld>
             <a:endParaRPr lang="en-US"/>
           </a:p>
@@ -2093,7 +2095,7 @@
           <a:p>
             <a:fld id="{EE875489-659F-0740-A353-EEFBF8838272}" type="datetimeFigureOut">
               <a:rPr lang="en-US" smtClean="0"/>
-              <a:t>1/14/22</a:t>
+              <a:t>1/15/22</a:t>
             </a:fld>
             <a:endParaRPr lang="en-US"/>
           </a:p>
@@ -2406,7 +2408,7 @@
           <a:p>
             <a:fld id="{EE875489-659F-0740-A353-EEFBF8838272}" type="datetimeFigureOut">
               <a:rPr lang="en-US" smtClean="0"/>
-              <a:t>1/14/22</a:t>
+              <a:t>1/15/22</a:t>
             </a:fld>
             <a:endParaRPr lang="en-US"/>
           </a:p>
@@ -2695,7 +2697,7 @@
           <a:p>
             <a:fld id="{EE875489-659F-0740-A353-EEFBF8838272}" type="datetimeFigureOut">
               <a:rPr lang="en-US" smtClean="0"/>
-              <a:t>1/14/22</a:t>
+              <a:t>1/15/22</a:t>
             </a:fld>
             <a:endParaRPr lang="en-US"/>
           </a:p>
@@ -2938,7 +2940,7 @@
           <a:p>
             <a:fld id="{EE875489-659F-0740-A353-EEFBF8838272}" type="datetimeFigureOut">
               <a:rPr lang="en-US" smtClean="0"/>
-              <a:t>1/14/22</a:t>
+              <a:t>1/15/22</a:t>
             </a:fld>
             <a:endParaRPr lang="en-US"/>
           </a:p>
@@ -4284,6 +4286,1728 @@
 </p:sld>
 </file>
 
+<file path=ppt/slides/slide10.xml><?xml version="1.0" encoding="utf-8"?>
+<p:sld xmlns:a="http://schemas.openxmlformats.org/drawingml/2006/main" xmlns:r="http://schemas.openxmlformats.org/officeDocument/2006/relationships" xmlns:p="http://schemas.openxmlformats.org/presentationml/2006/main">
+  <p:cSld>
+    <p:spTree>
+      <p:nvGrpSpPr>
+        <p:cNvPr id="1" name=""/>
+        <p:cNvGrpSpPr/>
+        <p:nvPr/>
+      </p:nvGrpSpPr>
+      <p:grpSpPr>
+        <a:xfrm>
+          <a:off x="0" y="0"/>
+          <a:ext cx="0" cy="0"/>
+          <a:chOff x="0" y="0"/>
+          <a:chExt cx="0" cy="0"/>
+        </a:xfrm>
+      </p:grpSpPr>
+      <p:pic>
+        <p:nvPicPr>
+          <p:cNvPr id="2" name="Picture 1">
+            <a:extLst>
+              <a:ext uri="{FF2B5EF4-FFF2-40B4-BE49-F238E27FC236}">
+                <a16:creationId xmlns:a16="http://schemas.microsoft.com/office/drawing/2014/main" id="{A65AC909-DE7D-954A-94BF-1348825AE527}"/>
+              </a:ext>
+            </a:extLst>
+          </p:cNvPr>
+          <p:cNvPicPr>
+            <a:picLocks noChangeAspect="1"/>
+          </p:cNvPicPr>
+          <p:nvPr/>
+        </p:nvPicPr>
+        <p:blipFill rotWithShape="1">
+          <a:blip r:embed="rId2"/>
+          <a:srcRect r="55149" b="58154"/>
+          <a:stretch/>
+        </p:blipFill>
+        <p:spPr>
+          <a:xfrm>
+            <a:off x="3062630" y="1082247"/>
+            <a:ext cx="6266721" cy="4345825"/>
+          </a:xfrm>
+          <a:prstGeom prst="rect">
+            <a:avLst/>
+          </a:prstGeom>
+        </p:spPr>
+      </p:pic>
+      <p:cxnSp>
+        <p:nvCxnSpPr>
+          <p:cNvPr id="8" name="Straight Connector 7">
+            <a:extLst>
+              <a:ext uri="{FF2B5EF4-FFF2-40B4-BE49-F238E27FC236}">
+                <a16:creationId xmlns:a16="http://schemas.microsoft.com/office/drawing/2014/main" id="{64D7C4EC-1540-E242-BAAB-0B9C0AB3C69F}"/>
+              </a:ext>
+            </a:extLst>
+          </p:cNvPr>
+          <p:cNvCxnSpPr>
+            <a:cxnSpLocks/>
+          </p:cNvCxnSpPr>
+          <p:nvPr/>
+        </p:nvCxnSpPr>
+        <p:spPr>
+          <a:xfrm>
+            <a:off x="6214313" y="515007"/>
+            <a:ext cx="0" cy="5307724"/>
+          </a:xfrm>
+          <a:prstGeom prst="line">
+            <a:avLst/>
+          </a:prstGeom>
+          <a:ln w="19050">
+            <a:solidFill>
+              <a:schemeClr val="accent1"/>
+            </a:solidFill>
+            <a:prstDash val="dash"/>
+          </a:ln>
+        </p:spPr>
+        <p:style>
+          <a:lnRef idx="1">
+            <a:schemeClr val="accent2"/>
+          </a:lnRef>
+          <a:fillRef idx="0">
+            <a:schemeClr val="accent2"/>
+          </a:fillRef>
+          <a:effectRef idx="0">
+            <a:schemeClr val="accent2"/>
+          </a:effectRef>
+          <a:fontRef idx="minor">
+            <a:schemeClr val="tx1"/>
+          </a:fontRef>
+        </p:style>
+      </p:cxnSp>
+      <mc:AlternateContent xmlns:mc="http://schemas.openxmlformats.org/markup-compatibility/2006">
+        <mc:Choice xmlns:a14="http://schemas.microsoft.com/office/drawing/2010/main" Requires="a14">
+          <p:sp>
+            <p:nvSpPr>
+              <p:cNvPr id="10" name="TextBox 9">
+                <a:extLst>
+                  <a:ext uri="{FF2B5EF4-FFF2-40B4-BE49-F238E27FC236}">
+                    <a16:creationId xmlns:a16="http://schemas.microsoft.com/office/drawing/2014/main" id="{FD3A76B9-8D93-6540-BD36-D75DFCBC36CB}"/>
+                  </a:ext>
+                </a:extLst>
+              </p:cNvPr>
+              <p:cNvSpPr txBox="1"/>
+              <p:nvPr/>
+            </p:nvSpPr>
+            <p:spPr>
+              <a:xfrm>
+                <a:off x="5988220" y="5791201"/>
+                <a:ext cx="430182" cy="461665"/>
+              </a:xfrm>
+              <a:prstGeom prst="rect">
+                <a:avLst/>
+              </a:prstGeom>
+              <a:noFill/>
+            </p:spPr>
+            <p:txBody>
+              <a:bodyPr wrap="none" rtlCol="0">
+                <a:spAutoFit/>
+              </a:bodyPr>
+              <a:lstStyle/>
+              <a:p>
+                <a14:m>
+                  <m:oMathPara xmlns:m="http://schemas.openxmlformats.org/officeDocument/2006/math">
+                    <m:oMathParaPr>
+                      <m:jc m:val="centerGroup"/>
+                    </m:oMathParaPr>
+                    <m:oMath xmlns:m="http://schemas.openxmlformats.org/officeDocument/2006/math">
+                      <m:r>
+                        <a:rPr lang="en-US" sz="2400" b="0" i="1" smtClean="0">
+                          <a:solidFill>
+                            <a:schemeClr val="accent1"/>
+                          </a:solidFill>
+                          <a:latin typeface="Cambria Math" panose="02040503050406030204" pitchFamily="18" charset="0"/>
+                        </a:rPr>
+                        <m:t>𝜇</m:t>
+                      </m:r>
+                    </m:oMath>
+                  </m:oMathPara>
+                </a14:m>
+                <a:endParaRPr lang="en-US" sz="2400" dirty="0">
+                  <a:solidFill>
+                    <a:schemeClr val="accent1"/>
+                  </a:solidFill>
+                </a:endParaRPr>
+              </a:p>
+            </p:txBody>
+          </p:sp>
+        </mc:Choice>
+        <mc:Fallback>
+          <p:sp>
+            <p:nvSpPr>
+              <p:cNvPr id="10" name="TextBox 9">
+                <a:extLst>
+                  <a:ext uri="{FF2B5EF4-FFF2-40B4-BE49-F238E27FC236}">
+                    <a16:creationId xmlns:a16="http://schemas.microsoft.com/office/drawing/2014/main" id="{FD3A76B9-8D93-6540-BD36-D75DFCBC36CB}"/>
+                  </a:ext>
+                </a:extLst>
+              </p:cNvPr>
+              <p:cNvSpPr txBox="1">
+                <a:spLocks noRot="1" noChangeAspect="1" noMove="1" noResize="1" noEditPoints="1" noAdjustHandles="1" noChangeArrowheads="1" noChangeShapeType="1" noTextEdit="1"/>
+              </p:cNvSpPr>
+              <p:nvPr/>
+            </p:nvSpPr>
+            <p:spPr>
+              <a:xfrm>
+                <a:off x="5988220" y="5791201"/>
+                <a:ext cx="430182" cy="461665"/>
+              </a:xfrm>
+              <a:prstGeom prst="rect">
+                <a:avLst/>
+              </a:prstGeom>
+              <a:blipFill>
+                <a:blip r:embed="rId3"/>
+                <a:stretch>
+                  <a:fillRect b="-8108"/>
+                </a:stretch>
+              </a:blipFill>
+            </p:spPr>
+            <p:txBody>
+              <a:bodyPr/>
+              <a:lstStyle/>
+              <a:p>
+                <a:r>
+                  <a:rPr lang="en-US">
+                    <a:noFill/>
+                  </a:rPr>
+                  <a:t> </a:t>
+                </a:r>
+              </a:p>
+            </p:txBody>
+          </p:sp>
+        </mc:Fallback>
+      </mc:AlternateContent>
+      <mc:AlternateContent xmlns:mc="http://schemas.openxmlformats.org/markup-compatibility/2006">
+        <mc:Choice xmlns:a14="http://schemas.microsoft.com/office/drawing/2010/main" Requires="a14">
+          <p:sp>
+            <p:nvSpPr>
+              <p:cNvPr id="11" name="TextBox 10">
+                <a:extLst>
+                  <a:ext uri="{FF2B5EF4-FFF2-40B4-BE49-F238E27FC236}">
+                    <a16:creationId xmlns:a16="http://schemas.microsoft.com/office/drawing/2014/main" id="{6035CECF-5CE7-CF49-9461-275CDA5D25B2}"/>
+                  </a:ext>
+                </a:extLst>
+              </p:cNvPr>
+              <p:cNvSpPr txBox="1"/>
+              <p:nvPr/>
+            </p:nvSpPr>
+            <p:spPr>
+              <a:xfrm>
+                <a:off x="4030821" y="4051738"/>
+                <a:ext cx="426399" cy="461665"/>
+              </a:xfrm>
+              <a:prstGeom prst="rect">
+                <a:avLst/>
+              </a:prstGeom>
+              <a:noFill/>
+            </p:spPr>
+            <p:txBody>
+              <a:bodyPr wrap="none" rtlCol="0">
+                <a:spAutoFit/>
+              </a:bodyPr>
+              <a:lstStyle/>
+              <a:p>
+                <a14:m>
+                  <m:oMathPara xmlns:m="http://schemas.openxmlformats.org/officeDocument/2006/math">
+                    <m:oMathParaPr>
+                      <m:jc m:val="centerGroup"/>
+                    </m:oMathParaPr>
+                    <m:oMath xmlns:m="http://schemas.openxmlformats.org/officeDocument/2006/math">
+                      <m:acc>
+                        <m:accPr>
+                          <m:chr m:val="̅"/>
+                          <m:ctrlPr>
+                            <a:rPr lang="en-US" sz="2400" b="0" i="1" smtClean="0">
+                              <a:solidFill>
+                                <a:schemeClr val="accent2"/>
+                              </a:solidFill>
+                              <a:latin typeface="Cambria Math" panose="02040503050406030204" pitchFamily="18" charset="0"/>
+                            </a:rPr>
+                          </m:ctrlPr>
+                        </m:accPr>
+                        <m:e>
+                          <m:r>
+                            <a:rPr lang="en-US" sz="2400" b="0" i="1" smtClean="0">
+                              <a:solidFill>
+                                <a:schemeClr val="accent2"/>
+                              </a:solidFill>
+                              <a:latin typeface="Cambria Math" panose="02040503050406030204" pitchFamily="18" charset="0"/>
+                            </a:rPr>
+                            <m:t>𝑥</m:t>
+                          </m:r>
+                        </m:e>
+                      </m:acc>
+                    </m:oMath>
+                  </m:oMathPara>
+                </a14:m>
+                <a:endParaRPr lang="en-US" sz="2400" dirty="0">
+                  <a:solidFill>
+                    <a:schemeClr val="accent2"/>
+                  </a:solidFill>
+                </a:endParaRPr>
+              </a:p>
+            </p:txBody>
+          </p:sp>
+        </mc:Choice>
+        <mc:Fallback>
+          <p:sp>
+            <p:nvSpPr>
+              <p:cNvPr id="11" name="TextBox 10">
+                <a:extLst>
+                  <a:ext uri="{FF2B5EF4-FFF2-40B4-BE49-F238E27FC236}">
+                    <a16:creationId xmlns:a16="http://schemas.microsoft.com/office/drawing/2014/main" id="{6035CECF-5CE7-CF49-9461-275CDA5D25B2}"/>
+                  </a:ext>
+                </a:extLst>
+              </p:cNvPr>
+              <p:cNvSpPr txBox="1">
+                <a:spLocks noRot="1" noChangeAspect="1" noMove="1" noResize="1" noEditPoints="1" noAdjustHandles="1" noChangeArrowheads="1" noChangeShapeType="1" noTextEdit="1"/>
+              </p:cNvSpPr>
+              <p:nvPr/>
+            </p:nvSpPr>
+            <p:spPr>
+              <a:xfrm>
+                <a:off x="4030821" y="4051738"/>
+                <a:ext cx="426399" cy="461665"/>
+              </a:xfrm>
+              <a:prstGeom prst="rect">
+                <a:avLst/>
+              </a:prstGeom>
+              <a:blipFill>
+                <a:blip r:embed="rId4"/>
+                <a:stretch>
+                  <a:fillRect/>
+                </a:stretch>
+              </a:blipFill>
+            </p:spPr>
+            <p:txBody>
+              <a:bodyPr/>
+              <a:lstStyle/>
+              <a:p>
+                <a:r>
+                  <a:rPr lang="en-US">
+                    <a:noFill/>
+                  </a:rPr>
+                  <a:t> </a:t>
+                </a:r>
+              </a:p>
+            </p:txBody>
+          </p:sp>
+        </mc:Fallback>
+      </mc:AlternateContent>
+    </p:spTree>
+    <p:extLst>
+      <p:ext uri="{BB962C8B-B14F-4D97-AF65-F5344CB8AC3E}">
+        <p14:creationId xmlns:p14="http://schemas.microsoft.com/office/powerpoint/2010/main" val="2608863205"/>
+      </p:ext>
+    </p:extLst>
+  </p:cSld>
+  <p:clrMapOvr>
+    <a:masterClrMapping/>
+  </p:clrMapOvr>
+</p:sld>
+</file>
+
+<file path=ppt/slides/slide11.xml><?xml version="1.0" encoding="utf-8"?>
+<p:sld xmlns:a="http://schemas.openxmlformats.org/drawingml/2006/main" xmlns:r="http://schemas.openxmlformats.org/officeDocument/2006/relationships" xmlns:p="http://schemas.openxmlformats.org/presentationml/2006/main">
+  <p:cSld>
+    <p:spTree>
+      <p:nvGrpSpPr>
+        <p:cNvPr id="1" name=""/>
+        <p:cNvGrpSpPr/>
+        <p:nvPr/>
+      </p:nvGrpSpPr>
+      <p:grpSpPr>
+        <a:xfrm>
+          <a:off x="0" y="0"/>
+          <a:ext cx="0" cy="0"/>
+          <a:chOff x="0" y="0"/>
+          <a:chExt cx="0" cy="0"/>
+        </a:xfrm>
+      </p:grpSpPr>
+      <p:pic>
+        <p:nvPicPr>
+          <p:cNvPr id="2" name="Picture 1">
+            <a:extLst>
+              <a:ext uri="{FF2B5EF4-FFF2-40B4-BE49-F238E27FC236}">
+                <a16:creationId xmlns:a16="http://schemas.microsoft.com/office/drawing/2014/main" id="{A65AC909-DE7D-954A-94BF-1348825AE527}"/>
+              </a:ext>
+            </a:extLst>
+          </p:cNvPr>
+          <p:cNvPicPr>
+            <a:picLocks noChangeAspect="1"/>
+          </p:cNvPicPr>
+          <p:nvPr/>
+        </p:nvPicPr>
+        <p:blipFill rotWithShape="1">
+          <a:blip r:embed="rId2"/>
+          <a:srcRect r="55149" b="58154"/>
+          <a:stretch/>
+        </p:blipFill>
+        <p:spPr>
+          <a:xfrm>
+            <a:off x="3062630" y="1082247"/>
+            <a:ext cx="6266721" cy="4345825"/>
+          </a:xfrm>
+          <a:prstGeom prst="rect">
+            <a:avLst/>
+          </a:prstGeom>
+        </p:spPr>
+      </p:pic>
+      <p:cxnSp>
+        <p:nvCxnSpPr>
+          <p:cNvPr id="8" name="Straight Connector 7">
+            <a:extLst>
+              <a:ext uri="{FF2B5EF4-FFF2-40B4-BE49-F238E27FC236}">
+                <a16:creationId xmlns:a16="http://schemas.microsoft.com/office/drawing/2014/main" id="{64D7C4EC-1540-E242-BAAB-0B9C0AB3C69F}"/>
+              </a:ext>
+            </a:extLst>
+          </p:cNvPr>
+          <p:cNvCxnSpPr>
+            <a:cxnSpLocks/>
+          </p:cNvCxnSpPr>
+          <p:nvPr/>
+        </p:nvCxnSpPr>
+        <p:spPr>
+          <a:xfrm>
+            <a:off x="6214313" y="515007"/>
+            <a:ext cx="0" cy="5307724"/>
+          </a:xfrm>
+          <a:prstGeom prst="line">
+            <a:avLst/>
+          </a:prstGeom>
+          <a:ln w="19050">
+            <a:solidFill>
+              <a:schemeClr val="accent1"/>
+            </a:solidFill>
+            <a:prstDash val="dash"/>
+          </a:ln>
+        </p:spPr>
+        <p:style>
+          <a:lnRef idx="1">
+            <a:schemeClr val="accent2"/>
+          </a:lnRef>
+          <a:fillRef idx="0">
+            <a:schemeClr val="accent2"/>
+          </a:fillRef>
+          <a:effectRef idx="0">
+            <a:schemeClr val="accent2"/>
+          </a:effectRef>
+          <a:fontRef idx="minor">
+            <a:schemeClr val="tx1"/>
+          </a:fontRef>
+        </p:style>
+      </p:cxnSp>
+      <mc:AlternateContent xmlns:mc="http://schemas.openxmlformats.org/markup-compatibility/2006">
+        <mc:Choice xmlns:a14="http://schemas.microsoft.com/office/drawing/2010/main" Requires="a14">
+          <p:sp>
+            <p:nvSpPr>
+              <p:cNvPr id="10" name="TextBox 9">
+                <a:extLst>
+                  <a:ext uri="{FF2B5EF4-FFF2-40B4-BE49-F238E27FC236}">
+                    <a16:creationId xmlns:a16="http://schemas.microsoft.com/office/drawing/2014/main" id="{FD3A76B9-8D93-6540-BD36-D75DFCBC36CB}"/>
+                  </a:ext>
+                </a:extLst>
+              </p:cNvPr>
+              <p:cNvSpPr txBox="1"/>
+              <p:nvPr/>
+            </p:nvSpPr>
+            <p:spPr>
+              <a:xfrm>
+                <a:off x="5988220" y="5791201"/>
+                <a:ext cx="430182" cy="461665"/>
+              </a:xfrm>
+              <a:prstGeom prst="rect">
+                <a:avLst/>
+              </a:prstGeom>
+              <a:noFill/>
+            </p:spPr>
+            <p:txBody>
+              <a:bodyPr wrap="none" rtlCol="0">
+                <a:spAutoFit/>
+              </a:bodyPr>
+              <a:lstStyle/>
+              <a:p>
+                <a:pPr/>
+                <a14:m>
+                  <m:oMathPara xmlns:m="http://schemas.openxmlformats.org/officeDocument/2006/math">
+                    <m:oMathParaPr>
+                      <m:jc m:val="centerGroup"/>
+                    </m:oMathParaPr>
+                    <m:oMath xmlns:m="http://schemas.openxmlformats.org/officeDocument/2006/math">
+                      <m:r>
+                        <a:rPr lang="en-US" sz="2400" b="0" i="1" smtClean="0">
+                          <a:solidFill>
+                            <a:schemeClr val="accent1"/>
+                          </a:solidFill>
+                          <a:latin typeface="Cambria Math" panose="02040503050406030204" pitchFamily="18" charset="0"/>
+                        </a:rPr>
+                        <m:t>𝜇</m:t>
+                      </m:r>
+                    </m:oMath>
+                  </m:oMathPara>
+                </a14:m>
+                <a:endParaRPr lang="en-US" sz="2400" dirty="0">
+                  <a:solidFill>
+                    <a:schemeClr val="accent1"/>
+                  </a:solidFill>
+                </a:endParaRPr>
+              </a:p>
+            </p:txBody>
+          </p:sp>
+        </mc:Choice>
+        <mc:Fallback>
+          <p:sp>
+            <p:nvSpPr>
+              <p:cNvPr id="10" name="TextBox 9">
+                <a:extLst>
+                  <a:ext uri="{FF2B5EF4-FFF2-40B4-BE49-F238E27FC236}">
+                    <a16:creationId xmlns:a16="http://schemas.microsoft.com/office/drawing/2014/main" id="{FD3A76B9-8D93-6540-BD36-D75DFCBC36CB}"/>
+                  </a:ext>
+                </a:extLst>
+              </p:cNvPr>
+              <p:cNvSpPr txBox="1">
+                <a:spLocks noRot="1" noChangeAspect="1" noMove="1" noResize="1" noEditPoints="1" noAdjustHandles="1" noChangeArrowheads="1" noChangeShapeType="1" noTextEdit="1"/>
+              </p:cNvSpPr>
+              <p:nvPr/>
+            </p:nvSpPr>
+            <p:spPr>
+              <a:xfrm>
+                <a:off x="5988220" y="5791201"/>
+                <a:ext cx="430182" cy="461665"/>
+              </a:xfrm>
+              <a:prstGeom prst="rect">
+                <a:avLst/>
+              </a:prstGeom>
+              <a:blipFill>
+                <a:blip r:embed="rId3"/>
+                <a:stretch>
+                  <a:fillRect b="-8108"/>
+                </a:stretch>
+              </a:blipFill>
+            </p:spPr>
+            <p:txBody>
+              <a:bodyPr/>
+              <a:lstStyle/>
+              <a:p>
+                <a:r>
+                  <a:rPr lang="en-US">
+                    <a:noFill/>
+                  </a:rPr>
+                  <a:t> </a:t>
+                </a:r>
+              </a:p>
+            </p:txBody>
+          </p:sp>
+        </mc:Fallback>
+      </mc:AlternateContent>
+      <mc:AlternateContent xmlns:mc="http://schemas.openxmlformats.org/markup-compatibility/2006">
+        <mc:Choice xmlns:a14="http://schemas.microsoft.com/office/drawing/2010/main" Requires="a14">
+          <p:sp>
+            <p:nvSpPr>
+              <p:cNvPr id="11" name="TextBox 10">
+                <a:extLst>
+                  <a:ext uri="{FF2B5EF4-FFF2-40B4-BE49-F238E27FC236}">
+                    <a16:creationId xmlns:a16="http://schemas.microsoft.com/office/drawing/2014/main" id="{6035CECF-5CE7-CF49-9461-275CDA5D25B2}"/>
+                  </a:ext>
+                </a:extLst>
+              </p:cNvPr>
+              <p:cNvSpPr txBox="1"/>
+              <p:nvPr/>
+            </p:nvSpPr>
+            <p:spPr>
+              <a:xfrm>
+                <a:off x="4030821" y="4051738"/>
+                <a:ext cx="426399" cy="461665"/>
+              </a:xfrm>
+              <a:prstGeom prst="rect">
+                <a:avLst/>
+              </a:prstGeom>
+              <a:noFill/>
+            </p:spPr>
+            <p:txBody>
+              <a:bodyPr wrap="none" rtlCol="0">
+                <a:spAutoFit/>
+              </a:bodyPr>
+              <a:lstStyle/>
+              <a:p>
+                <a:pPr/>
+                <a14:m>
+                  <m:oMathPara xmlns:m="http://schemas.openxmlformats.org/officeDocument/2006/math">
+                    <m:oMathParaPr>
+                      <m:jc m:val="centerGroup"/>
+                    </m:oMathParaPr>
+                    <m:oMath xmlns:m="http://schemas.openxmlformats.org/officeDocument/2006/math">
+                      <m:acc>
+                        <m:accPr>
+                          <m:chr m:val="̅"/>
+                          <m:ctrlPr>
+                            <a:rPr lang="en-US" sz="2400" b="0" i="1" smtClean="0">
+                              <a:solidFill>
+                                <a:schemeClr val="accent2"/>
+                              </a:solidFill>
+                              <a:latin typeface="Cambria Math" panose="02040503050406030204" pitchFamily="18" charset="0"/>
+                            </a:rPr>
+                          </m:ctrlPr>
+                        </m:accPr>
+                        <m:e>
+                          <m:r>
+                            <a:rPr lang="en-US" sz="2400" b="0" i="1" smtClean="0">
+                              <a:solidFill>
+                                <a:schemeClr val="accent2"/>
+                              </a:solidFill>
+                              <a:latin typeface="Cambria Math" panose="02040503050406030204" pitchFamily="18" charset="0"/>
+                            </a:rPr>
+                            <m:t>𝑥</m:t>
+                          </m:r>
+                        </m:e>
+                      </m:acc>
+                    </m:oMath>
+                  </m:oMathPara>
+                </a14:m>
+                <a:endParaRPr lang="en-US" sz="2400" dirty="0">
+                  <a:solidFill>
+                    <a:schemeClr val="accent2"/>
+                  </a:solidFill>
+                </a:endParaRPr>
+              </a:p>
+            </p:txBody>
+          </p:sp>
+        </mc:Choice>
+        <mc:Fallback>
+          <p:sp>
+            <p:nvSpPr>
+              <p:cNvPr id="11" name="TextBox 10">
+                <a:extLst>
+                  <a:ext uri="{FF2B5EF4-FFF2-40B4-BE49-F238E27FC236}">
+                    <a16:creationId xmlns:a16="http://schemas.microsoft.com/office/drawing/2014/main" id="{6035CECF-5CE7-CF49-9461-275CDA5D25B2}"/>
+                  </a:ext>
+                </a:extLst>
+              </p:cNvPr>
+              <p:cNvSpPr txBox="1">
+                <a:spLocks noRot="1" noChangeAspect="1" noMove="1" noResize="1" noEditPoints="1" noAdjustHandles="1" noChangeArrowheads="1" noChangeShapeType="1" noTextEdit="1"/>
+              </p:cNvSpPr>
+              <p:nvPr/>
+            </p:nvSpPr>
+            <p:spPr>
+              <a:xfrm>
+                <a:off x="4030821" y="4051738"/>
+                <a:ext cx="426399" cy="461665"/>
+              </a:xfrm>
+              <a:prstGeom prst="rect">
+                <a:avLst/>
+              </a:prstGeom>
+              <a:blipFill>
+                <a:blip r:embed="rId4"/>
+                <a:stretch>
+                  <a:fillRect/>
+                </a:stretch>
+              </a:blipFill>
+            </p:spPr>
+            <p:txBody>
+              <a:bodyPr/>
+              <a:lstStyle/>
+              <a:p>
+                <a:r>
+                  <a:rPr lang="en-US">
+                    <a:noFill/>
+                  </a:rPr>
+                  <a:t> </a:t>
+                </a:r>
+              </a:p>
+            </p:txBody>
+          </p:sp>
+        </mc:Fallback>
+      </mc:AlternateContent>
+      <p:grpSp>
+        <p:nvGrpSpPr>
+          <p:cNvPr id="22" name="Group 21">
+            <a:extLst>
+              <a:ext uri="{FF2B5EF4-FFF2-40B4-BE49-F238E27FC236}">
+                <a16:creationId xmlns:a16="http://schemas.microsoft.com/office/drawing/2014/main" id="{325B428B-5EEC-0348-ABFA-08972203C5A4}"/>
+              </a:ext>
+            </a:extLst>
+          </p:cNvPr>
+          <p:cNvGrpSpPr/>
+          <p:nvPr/>
+        </p:nvGrpSpPr>
+        <p:grpSpPr>
+          <a:xfrm>
+            <a:off x="6428912" y="4411347"/>
+            <a:ext cx="2472508" cy="105104"/>
+            <a:chOff x="6418402" y="4453387"/>
+            <a:chExt cx="2472508" cy="105104"/>
+          </a:xfrm>
+        </p:grpSpPr>
+        <p:sp>
+          <p:nvSpPr>
+            <p:cNvPr id="13" name="Oval 12">
+              <a:extLst>
+                <a:ext uri="{FF2B5EF4-FFF2-40B4-BE49-F238E27FC236}">
+                  <a16:creationId xmlns:a16="http://schemas.microsoft.com/office/drawing/2014/main" id="{69ABBB51-3692-B94C-834E-FDB360F093A9}"/>
+                </a:ext>
+              </a:extLst>
+            </p:cNvPr>
+            <p:cNvSpPr/>
+            <p:nvPr/>
+          </p:nvSpPr>
+          <p:spPr>
+            <a:xfrm>
+              <a:off x="7594293" y="4453387"/>
+              <a:ext cx="99707" cy="105104"/>
+            </a:xfrm>
+            <a:prstGeom prst="ellipse">
+              <a:avLst/>
+            </a:prstGeom>
+            <a:solidFill>
+              <a:schemeClr val="tx1"/>
+            </a:solidFill>
+            <a:ln w="57150">
+              <a:noFill/>
+            </a:ln>
+          </p:spPr>
+          <p:style>
+            <a:lnRef idx="2">
+              <a:schemeClr val="accent1">
+                <a:shade val="50000"/>
+              </a:schemeClr>
+            </a:lnRef>
+            <a:fillRef idx="1">
+              <a:schemeClr val="accent1"/>
+            </a:fillRef>
+            <a:effectRef idx="0">
+              <a:schemeClr val="accent1"/>
+            </a:effectRef>
+            <a:fontRef idx="minor">
+              <a:schemeClr val="lt1"/>
+            </a:fontRef>
+          </p:style>
+          <p:txBody>
+            <a:bodyPr rtlCol="0" anchor="ctr"/>
+            <a:lstStyle/>
+            <a:p>
+              <a:pPr algn="ctr"/>
+              <a:endParaRPr lang="en-US"/>
+            </a:p>
+          </p:txBody>
+        </p:sp>
+        <p:cxnSp>
+          <p:nvCxnSpPr>
+            <p:cNvPr id="14" name="Straight Connector 13">
+              <a:extLst>
+                <a:ext uri="{FF2B5EF4-FFF2-40B4-BE49-F238E27FC236}">
+                  <a16:creationId xmlns:a16="http://schemas.microsoft.com/office/drawing/2014/main" id="{2C93B8CD-6DBF-6B45-A969-323D73FFA7AF}"/>
+                </a:ext>
+              </a:extLst>
+            </p:cNvPr>
+            <p:cNvCxnSpPr>
+              <a:cxnSpLocks/>
+            </p:cNvCxnSpPr>
+            <p:nvPr/>
+          </p:nvCxnSpPr>
+          <p:spPr>
+            <a:xfrm>
+              <a:off x="6418402" y="4513403"/>
+              <a:ext cx="2472508" cy="0"/>
+            </a:xfrm>
+            <a:prstGeom prst="line">
+              <a:avLst/>
+            </a:prstGeom>
+            <a:ln w="28575"/>
+          </p:spPr>
+          <p:style>
+            <a:lnRef idx="1">
+              <a:schemeClr val="dk1"/>
+            </a:lnRef>
+            <a:fillRef idx="0">
+              <a:schemeClr val="dk1"/>
+            </a:fillRef>
+            <a:effectRef idx="0">
+              <a:schemeClr val="dk1"/>
+            </a:effectRef>
+            <a:fontRef idx="minor">
+              <a:schemeClr val="tx1"/>
+            </a:fontRef>
+          </p:style>
+        </p:cxnSp>
+      </p:grpSp>
+      <p:grpSp>
+        <p:nvGrpSpPr>
+          <p:cNvPr id="35" name="Group 34">
+            <a:extLst>
+              <a:ext uri="{FF2B5EF4-FFF2-40B4-BE49-F238E27FC236}">
+                <a16:creationId xmlns:a16="http://schemas.microsoft.com/office/drawing/2014/main" id="{01F00072-B324-F84A-9B70-4238B9717E3D}"/>
+              </a:ext>
+            </a:extLst>
+          </p:cNvPr>
+          <p:cNvGrpSpPr/>
+          <p:nvPr/>
+        </p:nvGrpSpPr>
+        <p:grpSpPr>
+          <a:xfrm>
+            <a:off x="3220966" y="4589862"/>
+            <a:ext cx="2472508" cy="105104"/>
+            <a:chOff x="6418402" y="4453387"/>
+            <a:chExt cx="2472508" cy="105104"/>
+          </a:xfrm>
+          <a:solidFill>
+            <a:schemeClr val="tx1"/>
+          </a:solidFill>
+        </p:grpSpPr>
+        <p:sp>
+          <p:nvSpPr>
+            <p:cNvPr id="36" name="Oval 35">
+              <a:extLst>
+                <a:ext uri="{FF2B5EF4-FFF2-40B4-BE49-F238E27FC236}">
+                  <a16:creationId xmlns:a16="http://schemas.microsoft.com/office/drawing/2014/main" id="{33C6C964-72DC-9240-8634-FCD80123324A}"/>
+                </a:ext>
+              </a:extLst>
+            </p:cNvPr>
+            <p:cNvSpPr/>
+            <p:nvPr/>
+          </p:nvSpPr>
+          <p:spPr>
+            <a:xfrm>
+              <a:off x="7594293" y="4453387"/>
+              <a:ext cx="99707" cy="105104"/>
+            </a:xfrm>
+            <a:prstGeom prst="ellipse">
+              <a:avLst/>
+            </a:prstGeom>
+            <a:grpFill/>
+            <a:ln w="57150">
+              <a:noFill/>
+            </a:ln>
+          </p:spPr>
+          <p:style>
+            <a:lnRef idx="2">
+              <a:schemeClr val="accent1">
+                <a:shade val="50000"/>
+              </a:schemeClr>
+            </a:lnRef>
+            <a:fillRef idx="1">
+              <a:schemeClr val="accent1"/>
+            </a:fillRef>
+            <a:effectRef idx="0">
+              <a:schemeClr val="accent1"/>
+            </a:effectRef>
+            <a:fontRef idx="minor">
+              <a:schemeClr val="lt1"/>
+            </a:fontRef>
+          </p:style>
+          <p:txBody>
+            <a:bodyPr rtlCol="0" anchor="ctr"/>
+            <a:lstStyle/>
+            <a:p>
+              <a:pPr algn="ctr"/>
+              <a:endParaRPr lang="en-US"/>
+            </a:p>
+          </p:txBody>
+        </p:sp>
+        <p:cxnSp>
+          <p:nvCxnSpPr>
+            <p:cNvPr id="37" name="Straight Connector 36">
+              <a:extLst>
+                <a:ext uri="{FF2B5EF4-FFF2-40B4-BE49-F238E27FC236}">
+                  <a16:creationId xmlns:a16="http://schemas.microsoft.com/office/drawing/2014/main" id="{DC29D0B7-1717-B748-B66C-1E1C4A0AEF77}"/>
+                </a:ext>
+              </a:extLst>
+            </p:cNvPr>
+            <p:cNvCxnSpPr>
+              <a:cxnSpLocks/>
+            </p:cNvCxnSpPr>
+            <p:nvPr/>
+          </p:nvCxnSpPr>
+          <p:spPr>
+            <a:xfrm>
+              <a:off x="6418402" y="4513403"/>
+              <a:ext cx="2472508" cy="0"/>
+            </a:xfrm>
+            <a:prstGeom prst="line">
+              <a:avLst/>
+            </a:prstGeom>
+            <a:grpFill/>
+            <a:ln w="28575"/>
+          </p:spPr>
+          <p:style>
+            <a:lnRef idx="1">
+              <a:schemeClr val="dk1"/>
+            </a:lnRef>
+            <a:fillRef idx="0">
+              <a:schemeClr val="dk1"/>
+            </a:fillRef>
+            <a:effectRef idx="0">
+              <a:schemeClr val="dk1"/>
+            </a:effectRef>
+            <a:fontRef idx="minor">
+              <a:schemeClr val="tx1"/>
+            </a:fontRef>
+          </p:style>
+        </p:cxnSp>
+      </p:grpSp>
+      <p:grpSp>
+        <p:nvGrpSpPr>
+          <p:cNvPr id="38" name="Group 37">
+            <a:extLst>
+              <a:ext uri="{FF2B5EF4-FFF2-40B4-BE49-F238E27FC236}">
+                <a16:creationId xmlns:a16="http://schemas.microsoft.com/office/drawing/2014/main" id="{06E2C17E-2B0B-5A4A-90E3-0F5ED784DD47}"/>
+              </a:ext>
+            </a:extLst>
+          </p:cNvPr>
+          <p:cNvGrpSpPr/>
+          <p:nvPr/>
+        </p:nvGrpSpPr>
+        <p:grpSpPr>
+          <a:xfrm>
+            <a:off x="3515753" y="4463899"/>
+            <a:ext cx="2472508" cy="105104"/>
+            <a:chOff x="6418402" y="4453387"/>
+            <a:chExt cx="2472508" cy="105104"/>
+          </a:xfrm>
+          <a:solidFill>
+            <a:schemeClr val="tx1"/>
+          </a:solidFill>
+        </p:grpSpPr>
+        <p:sp>
+          <p:nvSpPr>
+            <p:cNvPr id="39" name="Oval 38">
+              <a:extLst>
+                <a:ext uri="{FF2B5EF4-FFF2-40B4-BE49-F238E27FC236}">
+                  <a16:creationId xmlns:a16="http://schemas.microsoft.com/office/drawing/2014/main" id="{70A44E07-15FD-2341-BD18-825E4576A8D7}"/>
+                </a:ext>
+              </a:extLst>
+            </p:cNvPr>
+            <p:cNvSpPr/>
+            <p:nvPr/>
+          </p:nvSpPr>
+          <p:spPr>
+            <a:xfrm>
+              <a:off x="7594293" y="4453387"/>
+              <a:ext cx="99707" cy="105104"/>
+            </a:xfrm>
+            <a:prstGeom prst="ellipse">
+              <a:avLst/>
+            </a:prstGeom>
+            <a:grpFill/>
+            <a:ln w="57150">
+              <a:noFill/>
+            </a:ln>
+          </p:spPr>
+          <p:style>
+            <a:lnRef idx="2">
+              <a:schemeClr val="accent1">
+                <a:shade val="50000"/>
+              </a:schemeClr>
+            </a:lnRef>
+            <a:fillRef idx="1">
+              <a:schemeClr val="accent1"/>
+            </a:fillRef>
+            <a:effectRef idx="0">
+              <a:schemeClr val="accent1"/>
+            </a:effectRef>
+            <a:fontRef idx="minor">
+              <a:schemeClr val="lt1"/>
+            </a:fontRef>
+          </p:style>
+          <p:txBody>
+            <a:bodyPr rtlCol="0" anchor="ctr"/>
+            <a:lstStyle/>
+            <a:p>
+              <a:pPr algn="ctr"/>
+              <a:endParaRPr lang="en-US"/>
+            </a:p>
+          </p:txBody>
+        </p:sp>
+        <p:cxnSp>
+          <p:nvCxnSpPr>
+            <p:cNvPr id="40" name="Straight Connector 39">
+              <a:extLst>
+                <a:ext uri="{FF2B5EF4-FFF2-40B4-BE49-F238E27FC236}">
+                  <a16:creationId xmlns:a16="http://schemas.microsoft.com/office/drawing/2014/main" id="{C70720A5-4F65-1C4D-96F1-0F59801B1A29}"/>
+                </a:ext>
+              </a:extLst>
+            </p:cNvPr>
+            <p:cNvCxnSpPr>
+              <a:cxnSpLocks/>
+            </p:cNvCxnSpPr>
+            <p:nvPr/>
+          </p:nvCxnSpPr>
+          <p:spPr>
+            <a:xfrm>
+              <a:off x="6418402" y="4513403"/>
+              <a:ext cx="2472508" cy="0"/>
+            </a:xfrm>
+            <a:prstGeom prst="line">
+              <a:avLst/>
+            </a:prstGeom>
+            <a:grpFill/>
+            <a:ln w="28575"/>
+          </p:spPr>
+          <p:style>
+            <a:lnRef idx="1">
+              <a:schemeClr val="dk1"/>
+            </a:lnRef>
+            <a:fillRef idx="0">
+              <a:schemeClr val="dk1"/>
+            </a:fillRef>
+            <a:effectRef idx="0">
+              <a:schemeClr val="dk1"/>
+            </a:effectRef>
+            <a:fontRef idx="minor">
+              <a:schemeClr val="tx1"/>
+            </a:fontRef>
+          </p:style>
+        </p:cxnSp>
+      </p:grpSp>
+      <p:sp>
+        <p:nvSpPr>
+          <p:cNvPr id="3" name="Oval 2">
+            <a:extLst>
+              <a:ext uri="{FF2B5EF4-FFF2-40B4-BE49-F238E27FC236}">
+                <a16:creationId xmlns:a16="http://schemas.microsoft.com/office/drawing/2014/main" id="{25A26C39-0509-CB4B-9CC1-9ECA7F8F2E70}"/>
+              </a:ext>
+            </a:extLst>
+          </p:cNvPr>
+          <p:cNvSpPr/>
+          <p:nvPr/>
+        </p:nvSpPr>
+        <p:spPr>
+          <a:xfrm>
+            <a:off x="4980696" y="3838642"/>
+            <a:ext cx="99707" cy="105104"/>
+          </a:xfrm>
+          <a:prstGeom prst="ellipse">
+            <a:avLst/>
+          </a:prstGeom>
+          <a:solidFill>
+            <a:schemeClr val="accent6">
+              <a:lumMod val="75000"/>
+            </a:schemeClr>
+          </a:solidFill>
+          <a:ln w="57150">
+            <a:noFill/>
+          </a:ln>
+        </p:spPr>
+        <p:style>
+          <a:lnRef idx="2">
+            <a:schemeClr val="accent1">
+              <a:shade val="50000"/>
+            </a:schemeClr>
+          </a:lnRef>
+          <a:fillRef idx="1">
+            <a:schemeClr val="accent1"/>
+          </a:fillRef>
+          <a:effectRef idx="0">
+            <a:schemeClr val="accent1"/>
+          </a:effectRef>
+          <a:fontRef idx="minor">
+            <a:schemeClr val="lt1"/>
+          </a:fontRef>
+        </p:style>
+        <p:txBody>
+          <a:bodyPr rtlCol="0" anchor="ctr"/>
+          <a:lstStyle/>
+          <a:p>
+            <a:pPr algn="ctr"/>
+            <a:endParaRPr lang="en-US"/>
+          </a:p>
+        </p:txBody>
+      </p:sp>
+      <p:cxnSp>
+        <p:nvCxnSpPr>
+          <p:cNvPr id="5" name="Straight Connector 4">
+            <a:extLst>
+              <a:ext uri="{FF2B5EF4-FFF2-40B4-BE49-F238E27FC236}">
+                <a16:creationId xmlns:a16="http://schemas.microsoft.com/office/drawing/2014/main" id="{77000B44-7C78-4044-850A-F646FFC615E1}"/>
+              </a:ext>
+            </a:extLst>
+          </p:cNvPr>
+          <p:cNvCxnSpPr>
+            <a:cxnSpLocks/>
+          </p:cNvCxnSpPr>
+          <p:nvPr/>
+        </p:nvCxnSpPr>
+        <p:spPr>
+          <a:xfrm>
+            <a:off x="3752193" y="3891194"/>
+            <a:ext cx="2575035" cy="0"/>
+          </a:xfrm>
+          <a:prstGeom prst="line">
+            <a:avLst/>
+          </a:prstGeom>
+          <a:solidFill>
+            <a:schemeClr val="accent6">
+              <a:lumMod val="75000"/>
+            </a:schemeClr>
+          </a:solidFill>
+          <a:ln w="28575">
+            <a:solidFill>
+              <a:schemeClr val="accent6">
+                <a:lumMod val="75000"/>
+              </a:schemeClr>
+            </a:solidFill>
+          </a:ln>
+        </p:spPr>
+        <p:style>
+          <a:lnRef idx="1">
+            <a:schemeClr val="dk1"/>
+          </a:lnRef>
+          <a:fillRef idx="0">
+            <a:schemeClr val="dk1"/>
+          </a:fillRef>
+          <a:effectRef idx="0">
+            <a:schemeClr val="dk1"/>
+          </a:effectRef>
+          <a:fontRef idx="minor">
+            <a:schemeClr val="tx1"/>
+          </a:fontRef>
+        </p:style>
+      </p:cxnSp>
+      <p:sp>
+        <p:nvSpPr>
+          <p:cNvPr id="24" name="Oval 23">
+            <a:extLst>
+              <a:ext uri="{FF2B5EF4-FFF2-40B4-BE49-F238E27FC236}">
+                <a16:creationId xmlns:a16="http://schemas.microsoft.com/office/drawing/2014/main" id="{835EAD13-D0EE-274F-B198-879629194323}"/>
+              </a:ext>
+            </a:extLst>
+          </p:cNvPr>
+          <p:cNvSpPr/>
+          <p:nvPr/>
+        </p:nvSpPr>
+        <p:spPr>
+          <a:xfrm>
+            <a:off x="7021479" y="3213119"/>
+            <a:ext cx="99707" cy="105104"/>
+          </a:xfrm>
+          <a:prstGeom prst="ellipse">
+            <a:avLst/>
+          </a:prstGeom>
+          <a:solidFill>
+            <a:schemeClr val="accent6">
+              <a:lumMod val="75000"/>
+            </a:schemeClr>
+          </a:solidFill>
+          <a:ln w="57150">
+            <a:noFill/>
+          </a:ln>
+        </p:spPr>
+        <p:style>
+          <a:lnRef idx="2">
+            <a:schemeClr val="accent1">
+              <a:shade val="50000"/>
+            </a:schemeClr>
+          </a:lnRef>
+          <a:fillRef idx="1">
+            <a:schemeClr val="accent1"/>
+          </a:fillRef>
+          <a:effectRef idx="0">
+            <a:schemeClr val="accent1"/>
+          </a:effectRef>
+          <a:fontRef idx="minor">
+            <a:schemeClr val="lt1"/>
+          </a:fontRef>
+        </p:style>
+        <p:txBody>
+          <a:bodyPr rtlCol="0" anchor="ctr"/>
+          <a:lstStyle/>
+          <a:p>
+            <a:pPr algn="ctr"/>
+            <a:endParaRPr lang="en-US"/>
+          </a:p>
+        </p:txBody>
+      </p:sp>
+      <p:cxnSp>
+        <p:nvCxnSpPr>
+          <p:cNvPr id="25" name="Straight Connector 24">
+            <a:extLst>
+              <a:ext uri="{FF2B5EF4-FFF2-40B4-BE49-F238E27FC236}">
+                <a16:creationId xmlns:a16="http://schemas.microsoft.com/office/drawing/2014/main" id="{5F6428B3-B327-0046-8519-B20735F2F6A4}"/>
+              </a:ext>
+            </a:extLst>
+          </p:cNvPr>
+          <p:cNvCxnSpPr>
+            <a:cxnSpLocks/>
+          </p:cNvCxnSpPr>
+          <p:nvPr/>
+        </p:nvCxnSpPr>
+        <p:spPr>
+          <a:xfrm>
+            <a:off x="5845588" y="3273135"/>
+            <a:ext cx="2472508" cy="0"/>
+          </a:xfrm>
+          <a:prstGeom prst="line">
+            <a:avLst/>
+          </a:prstGeom>
+          <a:solidFill>
+            <a:schemeClr val="accent6">
+              <a:lumMod val="75000"/>
+            </a:schemeClr>
+          </a:solidFill>
+          <a:ln w="28575">
+            <a:solidFill>
+              <a:schemeClr val="accent6">
+                <a:lumMod val="75000"/>
+              </a:schemeClr>
+            </a:solidFill>
+          </a:ln>
+        </p:spPr>
+        <p:style>
+          <a:lnRef idx="1">
+            <a:schemeClr val="dk1"/>
+          </a:lnRef>
+          <a:fillRef idx="0">
+            <a:schemeClr val="dk1"/>
+          </a:fillRef>
+          <a:effectRef idx="0">
+            <a:schemeClr val="dk1"/>
+          </a:effectRef>
+          <a:fontRef idx="minor">
+            <a:schemeClr val="tx1"/>
+          </a:fontRef>
+        </p:style>
+      </p:cxnSp>
+      <p:sp>
+        <p:nvSpPr>
+          <p:cNvPr id="27" name="Oval 26">
+            <a:extLst>
+              <a:ext uri="{FF2B5EF4-FFF2-40B4-BE49-F238E27FC236}">
+                <a16:creationId xmlns:a16="http://schemas.microsoft.com/office/drawing/2014/main" id="{ACB3B6AC-F15B-7F4C-BE79-50ED1C0BB111}"/>
+              </a:ext>
+            </a:extLst>
+          </p:cNvPr>
+          <p:cNvSpPr/>
+          <p:nvPr/>
+        </p:nvSpPr>
+        <p:spPr>
+          <a:xfrm>
+            <a:off x="5854287" y="2631980"/>
+            <a:ext cx="99707" cy="105104"/>
+          </a:xfrm>
+          <a:prstGeom prst="ellipse">
+            <a:avLst/>
+          </a:prstGeom>
+          <a:solidFill>
+            <a:schemeClr val="accent6">
+              <a:lumMod val="75000"/>
+            </a:schemeClr>
+          </a:solidFill>
+          <a:ln w="57150">
+            <a:noFill/>
+          </a:ln>
+        </p:spPr>
+        <p:style>
+          <a:lnRef idx="2">
+            <a:schemeClr val="accent1">
+              <a:shade val="50000"/>
+            </a:schemeClr>
+          </a:lnRef>
+          <a:fillRef idx="1">
+            <a:schemeClr val="accent1"/>
+          </a:fillRef>
+          <a:effectRef idx="0">
+            <a:schemeClr val="accent1"/>
+          </a:effectRef>
+          <a:fontRef idx="minor">
+            <a:schemeClr val="lt1"/>
+          </a:fontRef>
+        </p:style>
+        <p:txBody>
+          <a:bodyPr rtlCol="0" anchor="ctr"/>
+          <a:lstStyle/>
+          <a:p>
+            <a:pPr algn="ctr"/>
+            <a:endParaRPr lang="en-US"/>
+          </a:p>
+        </p:txBody>
+      </p:sp>
+      <p:cxnSp>
+        <p:nvCxnSpPr>
+          <p:cNvPr id="28" name="Straight Connector 27">
+            <a:extLst>
+              <a:ext uri="{FF2B5EF4-FFF2-40B4-BE49-F238E27FC236}">
+                <a16:creationId xmlns:a16="http://schemas.microsoft.com/office/drawing/2014/main" id="{E021C732-9FC4-3447-9008-74D2D508F9D9}"/>
+              </a:ext>
+            </a:extLst>
+          </p:cNvPr>
+          <p:cNvCxnSpPr>
+            <a:cxnSpLocks/>
+          </p:cNvCxnSpPr>
+          <p:nvPr/>
+        </p:nvCxnSpPr>
+        <p:spPr>
+          <a:xfrm>
+            <a:off x="4678396" y="2691996"/>
+            <a:ext cx="2472508" cy="0"/>
+          </a:xfrm>
+          <a:prstGeom prst="line">
+            <a:avLst/>
+          </a:prstGeom>
+          <a:solidFill>
+            <a:schemeClr val="accent6">
+              <a:lumMod val="75000"/>
+            </a:schemeClr>
+          </a:solidFill>
+          <a:ln w="28575">
+            <a:solidFill>
+              <a:schemeClr val="accent6">
+                <a:lumMod val="75000"/>
+              </a:schemeClr>
+            </a:solidFill>
+          </a:ln>
+        </p:spPr>
+        <p:style>
+          <a:lnRef idx="1">
+            <a:schemeClr val="dk1"/>
+          </a:lnRef>
+          <a:fillRef idx="0">
+            <a:schemeClr val="dk1"/>
+          </a:fillRef>
+          <a:effectRef idx="0">
+            <a:schemeClr val="dk1"/>
+          </a:effectRef>
+          <a:fontRef idx="minor">
+            <a:schemeClr val="tx1"/>
+          </a:fontRef>
+        </p:style>
+      </p:cxnSp>
+      <p:sp>
+        <p:nvSpPr>
+          <p:cNvPr id="30" name="Oval 29">
+            <a:extLst>
+              <a:ext uri="{FF2B5EF4-FFF2-40B4-BE49-F238E27FC236}">
+                <a16:creationId xmlns:a16="http://schemas.microsoft.com/office/drawing/2014/main" id="{6E4FE004-BA80-E049-A4AE-C46B811E9F01}"/>
+              </a:ext>
+            </a:extLst>
+          </p:cNvPr>
+          <p:cNvSpPr/>
+          <p:nvPr/>
+        </p:nvSpPr>
+        <p:spPr>
+          <a:xfrm>
+            <a:off x="6461386" y="2051565"/>
+            <a:ext cx="99707" cy="105104"/>
+          </a:xfrm>
+          <a:prstGeom prst="ellipse">
+            <a:avLst/>
+          </a:prstGeom>
+          <a:solidFill>
+            <a:schemeClr val="accent6">
+              <a:lumMod val="75000"/>
+            </a:schemeClr>
+          </a:solidFill>
+          <a:ln w="57150">
+            <a:noFill/>
+          </a:ln>
+        </p:spPr>
+        <p:style>
+          <a:lnRef idx="2">
+            <a:schemeClr val="accent1">
+              <a:shade val="50000"/>
+            </a:schemeClr>
+          </a:lnRef>
+          <a:fillRef idx="1">
+            <a:schemeClr val="accent1"/>
+          </a:fillRef>
+          <a:effectRef idx="0">
+            <a:schemeClr val="accent1"/>
+          </a:effectRef>
+          <a:fontRef idx="minor">
+            <a:schemeClr val="lt1"/>
+          </a:fontRef>
+        </p:style>
+        <p:txBody>
+          <a:bodyPr rtlCol="0" anchor="ctr"/>
+          <a:lstStyle/>
+          <a:p>
+            <a:pPr algn="ctr"/>
+            <a:endParaRPr lang="en-US"/>
+          </a:p>
+        </p:txBody>
+      </p:sp>
+      <p:cxnSp>
+        <p:nvCxnSpPr>
+          <p:cNvPr id="31" name="Straight Connector 30">
+            <a:extLst>
+              <a:ext uri="{FF2B5EF4-FFF2-40B4-BE49-F238E27FC236}">
+                <a16:creationId xmlns:a16="http://schemas.microsoft.com/office/drawing/2014/main" id="{F5D18943-69F4-6844-ABF4-BF3CF530B2D2}"/>
+              </a:ext>
+            </a:extLst>
+          </p:cNvPr>
+          <p:cNvCxnSpPr>
+            <a:cxnSpLocks/>
+          </p:cNvCxnSpPr>
+          <p:nvPr/>
+        </p:nvCxnSpPr>
+        <p:spPr>
+          <a:xfrm>
+            <a:off x="5285495" y="2111581"/>
+            <a:ext cx="2472508" cy="0"/>
+          </a:xfrm>
+          <a:prstGeom prst="line">
+            <a:avLst/>
+          </a:prstGeom>
+          <a:solidFill>
+            <a:schemeClr val="accent6">
+              <a:lumMod val="75000"/>
+            </a:schemeClr>
+          </a:solidFill>
+          <a:ln w="28575">
+            <a:solidFill>
+              <a:schemeClr val="accent6">
+                <a:lumMod val="75000"/>
+              </a:schemeClr>
+            </a:solidFill>
+          </a:ln>
+        </p:spPr>
+        <p:style>
+          <a:lnRef idx="1">
+            <a:schemeClr val="dk1"/>
+          </a:lnRef>
+          <a:fillRef idx="0">
+            <a:schemeClr val="dk1"/>
+          </a:fillRef>
+          <a:effectRef idx="0">
+            <a:schemeClr val="dk1"/>
+          </a:effectRef>
+          <a:fontRef idx="minor">
+            <a:schemeClr val="tx1"/>
+          </a:fontRef>
+        </p:style>
+      </p:cxnSp>
+      <p:sp>
+        <p:nvSpPr>
+          <p:cNvPr id="33" name="Oval 32">
+            <a:extLst>
+              <a:ext uri="{FF2B5EF4-FFF2-40B4-BE49-F238E27FC236}">
+                <a16:creationId xmlns:a16="http://schemas.microsoft.com/office/drawing/2014/main" id="{83E46E70-CD6D-284A-B9C8-024770401636}"/>
+              </a:ext>
+            </a:extLst>
+          </p:cNvPr>
+          <p:cNvSpPr/>
+          <p:nvPr/>
+        </p:nvSpPr>
+        <p:spPr>
+          <a:xfrm>
+            <a:off x="6155298" y="1715393"/>
+            <a:ext cx="99707" cy="105104"/>
+          </a:xfrm>
+          <a:prstGeom prst="ellipse">
+            <a:avLst/>
+          </a:prstGeom>
+          <a:solidFill>
+            <a:schemeClr val="accent6">
+              <a:lumMod val="75000"/>
+            </a:schemeClr>
+          </a:solidFill>
+          <a:ln w="57150">
+            <a:noFill/>
+          </a:ln>
+        </p:spPr>
+        <p:style>
+          <a:lnRef idx="2">
+            <a:schemeClr val="accent1">
+              <a:shade val="50000"/>
+            </a:schemeClr>
+          </a:lnRef>
+          <a:fillRef idx="1">
+            <a:schemeClr val="accent1"/>
+          </a:fillRef>
+          <a:effectRef idx="0">
+            <a:schemeClr val="accent1"/>
+          </a:effectRef>
+          <a:fontRef idx="minor">
+            <a:schemeClr val="lt1"/>
+          </a:fontRef>
+        </p:style>
+        <p:txBody>
+          <a:bodyPr rtlCol="0" anchor="ctr"/>
+          <a:lstStyle/>
+          <a:p>
+            <a:pPr algn="ctr"/>
+            <a:endParaRPr lang="en-US"/>
+          </a:p>
+        </p:txBody>
+      </p:sp>
+      <p:cxnSp>
+        <p:nvCxnSpPr>
+          <p:cNvPr id="34" name="Straight Connector 33">
+            <a:extLst>
+              <a:ext uri="{FF2B5EF4-FFF2-40B4-BE49-F238E27FC236}">
+                <a16:creationId xmlns:a16="http://schemas.microsoft.com/office/drawing/2014/main" id="{C3771CA3-8699-D243-A3F0-94A170719662}"/>
+              </a:ext>
+            </a:extLst>
+          </p:cNvPr>
+          <p:cNvCxnSpPr>
+            <a:cxnSpLocks/>
+          </p:cNvCxnSpPr>
+          <p:nvPr/>
+        </p:nvCxnSpPr>
+        <p:spPr>
+          <a:xfrm>
+            <a:off x="4926795" y="1767945"/>
+            <a:ext cx="2575035" cy="0"/>
+          </a:xfrm>
+          <a:prstGeom prst="line">
+            <a:avLst/>
+          </a:prstGeom>
+          <a:solidFill>
+            <a:schemeClr val="accent6">
+              <a:lumMod val="75000"/>
+            </a:schemeClr>
+          </a:solidFill>
+          <a:ln w="28575">
+            <a:solidFill>
+              <a:schemeClr val="accent6">
+                <a:lumMod val="75000"/>
+              </a:schemeClr>
+            </a:solidFill>
+          </a:ln>
+        </p:spPr>
+        <p:style>
+          <a:lnRef idx="1">
+            <a:schemeClr val="dk1"/>
+          </a:lnRef>
+          <a:fillRef idx="0">
+            <a:schemeClr val="dk1"/>
+          </a:fillRef>
+          <a:effectRef idx="0">
+            <a:schemeClr val="dk1"/>
+          </a:effectRef>
+          <a:fontRef idx="minor">
+            <a:schemeClr val="tx1"/>
+          </a:fontRef>
+        </p:style>
+      </p:cxnSp>
+      <p:sp>
+        <p:nvSpPr>
+          <p:cNvPr id="42" name="Oval 41">
+            <a:extLst>
+              <a:ext uri="{FF2B5EF4-FFF2-40B4-BE49-F238E27FC236}">
+                <a16:creationId xmlns:a16="http://schemas.microsoft.com/office/drawing/2014/main" id="{F1D24588-78F2-D440-80F0-BF0D077795B9}"/>
+              </a:ext>
+            </a:extLst>
+          </p:cNvPr>
+          <p:cNvSpPr/>
+          <p:nvPr/>
+        </p:nvSpPr>
+        <p:spPr>
+          <a:xfrm>
+            <a:off x="5854287" y="3449918"/>
+            <a:ext cx="99707" cy="105104"/>
+          </a:xfrm>
+          <a:prstGeom prst="ellipse">
+            <a:avLst/>
+          </a:prstGeom>
+          <a:solidFill>
+            <a:schemeClr val="accent6">
+              <a:lumMod val="75000"/>
+            </a:schemeClr>
+          </a:solidFill>
+          <a:ln w="57150">
+            <a:noFill/>
+          </a:ln>
+        </p:spPr>
+        <p:style>
+          <a:lnRef idx="2">
+            <a:schemeClr val="accent1">
+              <a:shade val="50000"/>
+            </a:schemeClr>
+          </a:lnRef>
+          <a:fillRef idx="1">
+            <a:schemeClr val="accent1"/>
+          </a:fillRef>
+          <a:effectRef idx="0">
+            <a:schemeClr val="accent1"/>
+          </a:effectRef>
+          <a:fontRef idx="minor">
+            <a:schemeClr val="lt1"/>
+          </a:fontRef>
+        </p:style>
+        <p:txBody>
+          <a:bodyPr rtlCol="0" anchor="ctr"/>
+          <a:lstStyle/>
+          <a:p>
+            <a:pPr algn="ctr"/>
+            <a:endParaRPr lang="en-US"/>
+          </a:p>
+        </p:txBody>
+      </p:sp>
+      <p:cxnSp>
+        <p:nvCxnSpPr>
+          <p:cNvPr id="43" name="Straight Connector 42">
+            <a:extLst>
+              <a:ext uri="{FF2B5EF4-FFF2-40B4-BE49-F238E27FC236}">
+                <a16:creationId xmlns:a16="http://schemas.microsoft.com/office/drawing/2014/main" id="{00382A09-14F7-514A-BB35-719127823A4E}"/>
+              </a:ext>
+            </a:extLst>
+          </p:cNvPr>
+          <p:cNvCxnSpPr>
+            <a:cxnSpLocks/>
+          </p:cNvCxnSpPr>
+          <p:nvPr/>
+        </p:nvCxnSpPr>
+        <p:spPr>
+          <a:xfrm>
+            <a:off x="4678396" y="3509934"/>
+            <a:ext cx="2472508" cy="0"/>
+          </a:xfrm>
+          <a:prstGeom prst="line">
+            <a:avLst/>
+          </a:prstGeom>
+          <a:solidFill>
+            <a:schemeClr val="accent6">
+              <a:lumMod val="75000"/>
+            </a:schemeClr>
+          </a:solidFill>
+          <a:ln w="28575">
+            <a:solidFill>
+              <a:schemeClr val="accent6">
+                <a:lumMod val="75000"/>
+              </a:schemeClr>
+            </a:solidFill>
+          </a:ln>
+        </p:spPr>
+        <p:style>
+          <a:lnRef idx="1">
+            <a:schemeClr val="dk1"/>
+          </a:lnRef>
+          <a:fillRef idx="0">
+            <a:schemeClr val="dk1"/>
+          </a:fillRef>
+          <a:effectRef idx="0">
+            <a:schemeClr val="dk1"/>
+          </a:effectRef>
+          <a:fontRef idx="minor">
+            <a:schemeClr val="tx1"/>
+          </a:fontRef>
+        </p:style>
+      </p:cxnSp>
+      <p:grpSp>
+        <p:nvGrpSpPr>
+          <p:cNvPr id="44" name="Group 43">
+            <a:extLst>
+              <a:ext uri="{FF2B5EF4-FFF2-40B4-BE49-F238E27FC236}">
+                <a16:creationId xmlns:a16="http://schemas.microsoft.com/office/drawing/2014/main" id="{FE21BD25-81DC-1242-9BB7-B2F6B2F2DA7B}"/>
+              </a:ext>
+            </a:extLst>
+          </p:cNvPr>
+          <p:cNvGrpSpPr/>
+          <p:nvPr/>
+        </p:nvGrpSpPr>
+        <p:grpSpPr>
+          <a:xfrm>
+            <a:off x="7325138" y="4600376"/>
+            <a:ext cx="2472508" cy="105104"/>
+            <a:chOff x="6418402" y="4453387"/>
+            <a:chExt cx="2472508" cy="105104"/>
+          </a:xfrm>
+        </p:grpSpPr>
+        <p:sp>
+          <p:nvSpPr>
+            <p:cNvPr id="45" name="Oval 44">
+              <a:extLst>
+                <a:ext uri="{FF2B5EF4-FFF2-40B4-BE49-F238E27FC236}">
+                  <a16:creationId xmlns:a16="http://schemas.microsoft.com/office/drawing/2014/main" id="{2F1E92AB-DC8C-5444-9E6F-017054943ABD}"/>
+                </a:ext>
+              </a:extLst>
+            </p:cNvPr>
+            <p:cNvSpPr/>
+            <p:nvPr/>
+          </p:nvSpPr>
+          <p:spPr>
+            <a:xfrm>
+              <a:off x="7594293" y="4453387"/>
+              <a:ext cx="99707" cy="105104"/>
+            </a:xfrm>
+            <a:prstGeom prst="ellipse">
+              <a:avLst/>
+            </a:prstGeom>
+            <a:solidFill>
+              <a:schemeClr val="tx1"/>
+            </a:solidFill>
+            <a:ln w="57150">
+              <a:noFill/>
+            </a:ln>
+          </p:spPr>
+          <p:style>
+            <a:lnRef idx="2">
+              <a:schemeClr val="accent1">
+                <a:shade val="50000"/>
+              </a:schemeClr>
+            </a:lnRef>
+            <a:fillRef idx="1">
+              <a:schemeClr val="accent1"/>
+            </a:fillRef>
+            <a:effectRef idx="0">
+              <a:schemeClr val="accent1"/>
+            </a:effectRef>
+            <a:fontRef idx="minor">
+              <a:schemeClr val="lt1"/>
+            </a:fontRef>
+          </p:style>
+          <p:txBody>
+            <a:bodyPr rtlCol="0" anchor="ctr"/>
+            <a:lstStyle/>
+            <a:p>
+              <a:pPr algn="ctr"/>
+              <a:endParaRPr lang="en-US"/>
+            </a:p>
+          </p:txBody>
+        </p:sp>
+        <p:cxnSp>
+          <p:nvCxnSpPr>
+            <p:cNvPr id="46" name="Straight Connector 45">
+              <a:extLst>
+                <a:ext uri="{FF2B5EF4-FFF2-40B4-BE49-F238E27FC236}">
+                  <a16:creationId xmlns:a16="http://schemas.microsoft.com/office/drawing/2014/main" id="{42D3AD2A-1554-DC4C-AF51-DA40CF02F628}"/>
+                </a:ext>
+              </a:extLst>
+            </p:cNvPr>
+            <p:cNvCxnSpPr>
+              <a:cxnSpLocks/>
+            </p:cNvCxnSpPr>
+            <p:nvPr/>
+          </p:nvCxnSpPr>
+          <p:spPr>
+            <a:xfrm>
+              <a:off x="6418402" y="4513403"/>
+              <a:ext cx="2472508" cy="0"/>
+            </a:xfrm>
+            <a:prstGeom prst="line">
+              <a:avLst/>
+            </a:prstGeom>
+            <a:ln w="28575"/>
+          </p:spPr>
+          <p:style>
+            <a:lnRef idx="1">
+              <a:schemeClr val="dk1"/>
+            </a:lnRef>
+            <a:fillRef idx="0">
+              <a:schemeClr val="dk1"/>
+            </a:fillRef>
+            <a:effectRef idx="0">
+              <a:schemeClr val="dk1"/>
+            </a:effectRef>
+            <a:fontRef idx="minor">
+              <a:schemeClr val="tx1"/>
+            </a:fontRef>
+          </p:style>
+        </p:cxnSp>
+      </p:grpSp>
+    </p:spTree>
+    <p:extLst>
+      <p:ext uri="{BB962C8B-B14F-4D97-AF65-F5344CB8AC3E}">
+        <p14:creationId xmlns:p14="http://schemas.microsoft.com/office/powerpoint/2010/main" val="1360620366"/>
+      </p:ext>
+    </p:extLst>
+  </p:cSld>
+  <p:clrMapOvr>
+    <a:masterClrMapping/>
+  </p:clrMapOvr>
+</p:sld>
+</file>
+
 <file path=ppt/slides/slide2.xml><?xml version="1.0" encoding="utf-8"?>
 <p:sld xmlns:a="http://schemas.openxmlformats.org/drawingml/2006/main" xmlns:r="http://schemas.openxmlformats.org/officeDocument/2006/relationships" xmlns:p="http://schemas.openxmlformats.org/presentationml/2006/main">
   <p:cSld>
@@ -5353,8 +7077,8 @@
           </a:p>
         </p:txBody>
       </p:sp>
-      <mc:AlternateContent xmlns:mc="http://schemas.openxmlformats.org/markup-compatibility/2006">
-        <mc:Choice xmlns:a14="http://schemas.microsoft.com/office/drawing/2010/main" Requires="a14">
+      <mc:AlternateContent xmlns:mc="http://schemas.openxmlformats.org/markup-compatibility/2006" xmlns:a14="http://schemas.microsoft.com/office/drawing/2010/main">
+        <mc:Choice Requires="a14">
           <p:sp>
             <p:nvSpPr>
               <p:cNvPr id="12" name="Cloud 11">
@@ -5474,7 +7198,7 @@
             </p:txBody>
           </p:sp>
         </mc:Choice>
-        <mc:Fallback>
+        <mc:Fallback xmlns="">
           <p:sp>
             <p:nvSpPr>
               <p:cNvPr id="12" name="Cloud 11">
@@ -5524,8 +7248,8 @@
           </p:sp>
         </mc:Fallback>
       </mc:AlternateContent>
-      <mc:AlternateContent xmlns:mc="http://schemas.openxmlformats.org/markup-compatibility/2006">
-        <mc:Choice xmlns:a14="http://schemas.microsoft.com/office/drawing/2010/main" Requires="a14">
+      <mc:AlternateContent xmlns:mc="http://schemas.openxmlformats.org/markup-compatibility/2006" xmlns:a14="http://schemas.microsoft.com/office/drawing/2010/main">
+        <mc:Choice Requires="a14">
           <p:sp>
             <p:nvSpPr>
               <p:cNvPr id="13" name="TextBox 12">
@@ -5582,7 +7306,7 @@
             </p:txBody>
           </p:sp>
         </mc:Choice>
-        <mc:Fallback>
+        <mc:Fallback xmlns="">
           <p:sp>
             <p:nvSpPr>
               <p:cNvPr id="13" name="TextBox 12">

--- a/dapr1_lectures/dapr1_2_01_confint/un_boot_ci.pptx
+++ b/dapr1_lectures/dapr1_2_01_confint/un_boot_ci.pptx
@@ -271,7 +271,7 @@
           <a:p>
             <a:fld id="{EE875489-659F-0740-A353-EEFBF8838272}" type="datetimeFigureOut">
               <a:rPr lang="en-US" smtClean="0"/>
-              <a:t>1/15/22</a:t>
+              <a:t>1/16/22</a:t>
             </a:fld>
             <a:endParaRPr lang="en-US"/>
           </a:p>
@@ -471,7 +471,7 @@
           <a:p>
             <a:fld id="{EE875489-659F-0740-A353-EEFBF8838272}" type="datetimeFigureOut">
               <a:rPr lang="en-US" smtClean="0"/>
-              <a:t>1/15/22</a:t>
+              <a:t>1/16/22</a:t>
             </a:fld>
             <a:endParaRPr lang="en-US"/>
           </a:p>
@@ -681,7 +681,7 @@
           <a:p>
             <a:fld id="{EE875489-659F-0740-A353-EEFBF8838272}" type="datetimeFigureOut">
               <a:rPr lang="en-US" smtClean="0"/>
-              <a:t>1/15/22</a:t>
+              <a:t>1/16/22</a:t>
             </a:fld>
             <a:endParaRPr lang="en-US"/>
           </a:p>
@@ -881,7 +881,7 @@
           <a:p>
             <a:fld id="{EE875489-659F-0740-A353-EEFBF8838272}" type="datetimeFigureOut">
               <a:rPr lang="en-US" smtClean="0"/>
-              <a:t>1/15/22</a:t>
+              <a:t>1/16/22</a:t>
             </a:fld>
             <a:endParaRPr lang="en-US"/>
           </a:p>
@@ -1157,7 +1157,7 @@
           <a:p>
             <a:fld id="{EE875489-659F-0740-A353-EEFBF8838272}" type="datetimeFigureOut">
               <a:rPr lang="en-US" smtClean="0"/>
-              <a:t>1/15/22</a:t>
+              <a:t>1/16/22</a:t>
             </a:fld>
             <a:endParaRPr lang="en-US"/>
           </a:p>
@@ -1425,7 +1425,7 @@
           <a:p>
             <a:fld id="{EE875489-659F-0740-A353-EEFBF8838272}" type="datetimeFigureOut">
               <a:rPr lang="en-US" smtClean="0"/>
-              <a:t>1/15/22</a:t>
+              <a:t>1/16/22</a:t>
             </a:fld>
             <a:endParaRPr lang="en-US"/>
           </a:p>
@@ -1840,7 +1840,7 @@
           <a:p>
             <a:fld id="{EE875489-659F-0740-A353-EEFBF8838272}" type="datetimeFigureOut">
               <a:rPr lang="en-US" smtClean="0"/>
-              <a:t>1/15/22</a:t>
+              <a:t>1/16/22</a:t>
             </a:fld>
             <a:endParaRPr lang="en-US"/>
           </a:p>
@@ -1982,7 +1982,7 @@
           <a:p>
             <a:fld id="{EE875489-659F-0740-A353-EEFBF8838272}" type="datetimeFigureOut">
               <a:rPr lang="en-US" smtClean="0"/>
-              <a:t>1/15/22</a:t>
+              <a:t>1/16/22</a:t>
             </a:fld>
             <a:endParaRPr lang="en-US"/>
           </a:p>
@@ -2095,7 +2095,7 @@
           <a:p>
             <a:fld id="{EE875489-659F-0740-A353-EEFBF8838272}" type="datetimeFigureOut">
               <a:rPr lang="en-US" smtClean="0"/>
-              <a:t>1/15/22</a:t>
+              <a:t>1/16/22</a:t>
             </a:fld>
             <a:endParaRPr lang="en-US"/>
           </a:p>
@@ -2408,7 +2408,7 @@
           <a:p>
             <a:fld id="{EE875489-659F-0740-A353-EEFBF8838272}" type="datetimeFigureOut">
               <a:rPr lang="en-US" smtClean="0"/>
-              <a:t>1/15/22</a:t>
+              <a:t>1/16/22</a:t>
             </a:fld>
             <a:endParaRPr lang="en-US"/>
           </a:p>
@@ -2697,7 +2697,7 @@
           <a:p>
             <a:fld id="{EE875489-659F-0740-A353-EEFBF8838272}" type="datetimeFigureOut">
               <a:rPr lang="en-US" smtClean="0"/>
-              <a:t>1/15/22</a:t>
+              <a:t>1/16/22</a:t>
             </a:fld>
             <a:endParaRPr lang="en-US"/>
           </a:p>
@@ -2940,7 +2940,7 @@
           <a:p>
             <a:fld id="{EE875489-659F-0740-A353-EEFBF8838272}" type="datetimeFigureOut">
               <a:rPr lang="en-US" smtClean="0"/>
-              <a:t>1/15/22</a:t>
+              <a:t>1/16/22</a:t>
             </a:fld>
             <a:endParaRPr lang="en-US"/>
           </a:p>
@@ -4376,8 +4376,8 @@
           </a:fontRef>
         </p:style>
       </p:cxnSp>
-      <mc:AlternateContent xmlns:mc="http://schemas.openxmlformats.org/markup-compatibility/2006">
-        <mc:Choice xmlns:a14="http://schemas.microsoft.com/office/drawing/2010/main" Requires="a14">
+      <mc:AlternateContent xmlns:mc="http://schemas.openxmlformats.org/markup-compatibility/2006" xmlns:a14="http://schemas.microsoft.com/office/drawing/2010/main">
+        <mc:Choice Requires="a14">
           <p:sp>
             <p:nvSpPr>
               <p:cNvPr id="10" name="TextBox 9">
@@ -4406,6 +4406,7 @@
               </a:bodyPr>
               <a:lstStyle/>
               <a:p>
+                <a:pPr/>
                 <a14:m>
                   <m:oMathPara xmlns:m="http://schemas.openxmlformats.org/officeDocument/2006/math">
                     <m:oMathParaPr>
@@ -4433,7 +4434,7 @@
             </p:txBody>
           </p:sp>
         </mc:Choice>
-        <mc:Fallback>
+        <mc:Fallback xmlns="">
           <p:sp>
             <p:nvSpPr>
               <p:cNvPr id="10" name="TextBox 9">
@@ -4478,8 +4479,8 @@
           </p:sp>
         </mc:Fallback>
       </mc:AlternateContent>
-      <mc:AlternateContent xmlns:mc="http://schemas.openxmlformats.org/markup-compatibility/2006">
-        <mc:Choice xmlns:a14="http://schemas.microsoft.com/office/drawing/2010/main" Requires="a14">
+      <mc:AlternateContent xmlns:mc="http://schemas.openxmlformats.org/markup-compatibility/2006" xmlns:a14="http://schemas.microsoft.com/office/drawing/2010/main">
+        <mc:Choice Requires="a14">
           <p:sp>
             <p:nvSpPr>
               <p:cNvPr id="11" name="TextBox 10">
@@ -4508,6 +4509,7 @@
               </a:bodyPr>
               <a:lstStyle/>
               <a:p>
+                <a:pPr/>
                 <a14:m>
                   <m:oMathPara xmlns:m="http://schemas.openxmlformats.org/officeDocument/2006/math">
                     <m:oMathParaPr>
@@ -4550,7 +4552,7 @@
             </p:txBody>
           </p:sp>
         </mc:Choice>
-        <mc:Fallback>
+        <mc:Fallback xmlns="">
           <p:sp>
             <p:nvSpPr>
               <p:cNvPr id="11" name="TextBox 10">
@@ -4627,10 +4629,10 @@
       </p:grpSpPr>
       <p:pic>
         <p:nvPicPr>
-          <p:cNvPr id="2" name="Picture 1">
-            <a:extLst>
-              <a:ext uri="{FF2B5EF4-FFF2-40B4-BE49-F238E27FC236}">
-                <a16:creationId xmlns:a16="http://schemas.microsoft.com/office/drawing/2014/main" id="{A65AC909-DE7D-954A-94BF-1348825AE527}"/>
+          <p:cNvPr id="83" name="Picture 82">
+            <a:extLst>
+              <a:ext uri="{FF2B5EF4-FFF2-40B4-BE49-F238E27FC236}">
+                <a16:creationId xmlns:a16="http://schemas.microsoft.com/office/drawing/2014/main" id="{FEF5A030-D20E-EF4E-9A81-2A153CB06DB0}"/>
               </a:ext>
             </a:extLst>
           </p:cNvPr>
@@ -4656,10 +4658,10 @@
       </p:pic>
       <p:cxnSp>
         <p:nvCxnSpPr>
-          <p:cNvPr id="8" name="Straight Connector 7">
-            <a:extLst>
-              <a:ext uri="{FF2B5EF4-FFF2-40B4-BE49-F238E27FC236}">
-                <a16:creationId xmlns:a16="http://schemas.microsoft.com/office/drawing/2014/main" id="{64D7C4EC-1540-E242-BAAB-0B9C0AB3C69F}"/>
+          <p:cNvPr id="84" name="Straight Connector 83">
+            <a:extLst>
+              <a:ext uri="{FF2B5EF4-FFF2-40B4-BE49-F238E27FC236}">
+                <a16:creationId xmlns:a16="http://schemas.microsoft.com/office/drawing/2014/main" id="{AF5BCCAB-3690-2A48-AA41-4C0B87DCDA56}"/>
               </a:ext>
             </a:extLst>
           </p:cNvPr>
@@ -4702,10 +4704,10 @@
         <mc:Choice xmlns:a14="http://schemas.microsoft.com/office/drawing/2010/main" Requires="a14">
           <p:sp>
             <p:nvSpPr>
-              <p:cNvPr id="10" name="TextBox 9">
+              <p:cNvPr id="85" name="TextBox 84">
                 <a:extLst>
                   <a:ext uri="{FF2B5EF4-FFF2-40B4-BE49-F238E27FC236}">
-                    <a16:creationId xmlns:a16="http://schemas.microsoft.com/office/drawing/2014/main" id="{FD3A76B9-8D93-6540-BD36-D75DFCBC36CB}"/>
+                    <a16:creationId xmlns:a16="http://schemas.microsoft.com/office/drawing/2014/main" id="{C58F0ADF-995D-5149-AFE1-9F60A19AFDBE}"/>
                   </a:ext>
                 </a:extLst>
               </p:cNvPr>
@@ -4759,10 +4761,10 @@
         <mc:Fallback>
           <p:sp>
             <p:nvSpPr>
-              <p:cNvPr id="10" name="TextBox 9">
+              <p:cNvPr id="85" name="TextBox 84">
                 <a:extLst>
                   <a:ext uri="{FF2B5EF4-FFF2-40B4-BE49-F238E27FC236}">
-                    <a16:creationId xmlns:a16="http://schemas.microsoft.com/office/drawing/2014/main" id="{FD3A76B9-8D93-6540-BD36-D75DFCBC36CB}"/>
+                    <a16:creationId xmlns:a16="http://schemas.microsoft.com/office/drawing/2014/main" id="{C58F0ADF-995D-5149-AFE1-9F60A19AFDBE}"/>
                   </a:ext>
                 </a:extLst>
               </p:cNvPr>
@@ -4805,10 +4807,10 @@
         <mc:Choice xmlns:a14="http://schemas.microsoft.com/office/drawing/2010/main" Requires="a14">
           <p:sp>
             <p:nvSpPr>
-              <p:cNvPr id="11" name="TextBox 10">
+              <p:cNvPr id="86" name="TextBox 85">
                 <a:extLst>
                   <a:ext uri="{FF2B5EF4-FFF2-40B4-BE49-F238E27FC236}">
-                    <a16:creationId xmlns:a16="http://schemas.microsoft.com/office/drawing/2014/main" id="{6035CECF-5CE7-CF49-9461-275CDA5D25B2}"/>
+                    <a16:creationId xmlns:a16="http://schemas.microsoft.com/office/drawing/2014/main" id="{AA19498C-2EED-AF45-BD54-807D48B6B52C}"/>
                   </a:ext>
                 </a:extLst>
               </p:cNvPr>
@@ -4877,10 +4879,10 @@
         <mc:Fallback>
           <p:sp>
             <p:nvSpPr>
-              <p:cNvPr id="11" name="TextBox 10">
+              <p:cNvPr id="86" name="TextBox 85">
                 <a:extLst>
                   <a:ext uri="{FF2B5EF4-FFF2-40B4-BE49-F238E27FC236}">
-                    <a16:creationId xmlns:a16="http://schemas.microsoft.com/office/drawing/2014/main" id="{6035CECF-5CE7-CF49-9461-275CDA5D25B2}"/>
+                    <a16:creationId xmlns:a16="http://schemas.microsoft.com/office/drawing/2014/main" id="{AA19498C-2EED-AF45-BD54-807D48B6B52C}"/>
                   </a:ext>
                 </a:extLst>
               </p:cNvPr>
@@ -4921,122 +4923,10 @@
       </mc:AlternateContent>
       <p:grpSp>
         <p:nvGrpSpPr>
-          <p:cNvPr id="22" name="Group 21">
-            <a:extLst>
-              <a:ext uri="{FF2B5EF4-FFF2-40B4-BE49-F238E27FC236}">
-                <a16:creationId xmlns:a16="http://schemas.microsoft.com/office/drawing/2014/main" id="{325B428B-5EEC-0348-ABFA-08972203C5A4}"/>
-              </a:ext>
-            </a:extLst>
-          </p:cNvPr>
-          <p:cNvGrpSpPr/>
-          <p:nvPr/>
-        </p:nvGrpSpPr>
-        <p:grpSpPr>
-          <a:xfrm>
-            <a:off x="6428912" y="4411347"/>
-            <a:ext cx="2472508" cy="105104"/>
-            <a:chOff x="6418402" y="4453387"/>
-            <a:chExt cx="2472508" cy="105104"/>
-          </a:xfrm>
-        </p:grpSpPr>
-        <p:sp>
-          <p:nvSpPr>
-            <p:cNvPr id="13" name="Oval 12">
-              <a:extLst>
-                <a:ext uri="{FF2B5EF4-FFF2-40B4-BE49-F238E27FC236}">
-                  <a16:creationId xmlns:a16="http://schemas.microsoft.com/office/drawing/2014/main" id="{69ABBB51-3692-B94C-834E-FDB360F093A9}"/>
-                </a:ext>
-              </a:extLst>
-            </p:cNvPr>
-            <p:cNvSpPr/>
-            <p:nvPr/>
-          </p:nvSpPr>
-          <p:spPr>
-            <a:xfrm>
-              <a:off x="7594293" y="4453387"/>
-              <a:ext cx="99707" cy="105104"/>
-            </a:xfrm>
-            <a:prstGeom prst="ellipse">
-              <a:avLst/>
-            </a:prstGeom>
-            <a:solidFill>
-              <a:schemeClr val="tx1"/>
-            </a:solidFill>
-            <a:ln w="57150">
-              <a:noFill/>
-            </a:ln>
-          </p:spPr>
-          <p:style>
-            <a:lnRef idx="2">
-              <a:schemeClr val="accent1">
-                <a:shade val="50000"/>
-              </a:schemeClr>
-            </a:lnRef>
-            <a:fillRef idx="1">
-              <a:schemeClr val="accent1"/>
-            </a:fillRef>
-            <a:effectRef idx="0">
-              <a:schemeClr val="accent1"/>
-            </a:effectRef>
-            <a:fontRef idx="minor">
-              <a:schemeClr val="lt1"/>
-            </a:fontRef>
-          </p:style>
-          <p:txBody>
-            <a:bodyPr rtlCol="0" anchor="ctr"/>
-            <a:lstStyle/>
-            <a:p>
-              <a:pPr algn="ctr"/>
-              <a:endParaRPr lang="en-US"/>
-            </a:p>
-          </p:txBody>
-        </p:sp>
-        <p:cxnSp>
-          <p:nvCxnSpPr>
-            <p:cNvPr id="14" name="Straight Connector 13">
-              <a:extLst>
-                <a:ext uri="{FF2B5EF4-FFF2-40B4-BE49-F238E27FC236}">
-                  <a16:creationId xmlns:a16="http://schemas.microsoft.com/office/drawing/2014/main" id="{2C93B8CD-6DBF-6B45-A969-323D73FFA7AF}"/>
-                </a:ext>
-              </a:extLst>
-            </p:cNvPr>
-            <p:cNvCxnSpPr>
-              <a:cxnSpLocks/>
-            </p:cNvCxnSpPr>
-            <p:nvPr/>
-          </p:nvCxnSpPr>
-          <p:spPr>
-            <a:xfrm>
-              <a:off x="6418402" y="4513403"/>
-              <a:ext cx="2472508" cy="0"/>
-            </a:xfrm>
-            <a:prstGeom prst="line">
-              <a:avLst/>
-            </a:prstGeom>
-            <a:ln w="28575"/>
-          </p:spPr>
-          <p:style>
-            <a:lnRef idx="1">
-              <a:schemeClr val="dk1"/>
-            </a:lnRef>
-            <a:fillRef idx="0">
-              <a:schemeClr val="dk1"/>
-            </a:fillRef>
-            <a:effectRef idx="0">
-              <a:schemeClr val="dk1"/>
-            </a:effectRef>
-            <a:fontRef idx="minor">
-              <a:schemeClr val="tx1"/>
-            </a:fontRef>
-          </p:style>
-        </p:cxnSp>
-      </p:grpSp>
-      <p:grpSp>
-        <p:nvGrpSpPr>
-          <p:cNvPr id="35" name="Group 34">
-            <a:extLst>
-              <a:ext uri="{FF2B5EF4-FFF2-40B4-BE49-F238E27FC236}">
-                <a16:creationId xmlns:a16="http://schemas.microsoft.com/office/drawing/2014/main" id="{01F00072-B324-F84A-9B70-4238B9717E3D}"/>
+          <p:cNvPr id="87" name="Group 86">
+            <a:extLst>
+              <a:ext uri="{FF2B5EF4-FFF2-40B4-BE49-F238E27FC236}">
+                <a16:creationId xmlns:a16="http://schemas.microsoft.com/office/drawing/2014/main" id="{81FCCC8A-8EEF-F946-A69C-AA31A13EB8E1}"/>
               </a:ext>
             </a:extLst>
           </p:cNvPr>
@@ -5056,10 +4946,10 @@
         </p:grpSpPr>
         <p:sp>
           <p:nvSpPr>
-            <p:cNvPr id="36" name="Oval 35">
+            <p:cNvPr id="88" name="Oval 87">
               <a:extLst>
                 <a:ext uri="{FF2B5EF4-FFF2-40B4-BE49-F238E27FC236}">
-                  <a16:creationId xmlns:a16="http://schemas.microsoft.com/office/drawing/2014/main" id="{33C6C964-72DC-9240-8634-FCD80123324A}"/>
+                  <a16:creationId xmlns:a16="http://schemas.microsoft.com/office/drawing/2014/main" id="{8C38993F-2553-3040-ACC8-74C3CC58E1F2}"/>
                 </a:ext>
               </a:extLst>
             </p:cNvPr>
@@ -5106,124 +4996,10 @@
         </p:sp>
         <p:cxnSp>
           <p:nvCxnSpPr>
-            <p:cNvPr id="37" name="Straight Connector 36">
+            <p:cNvPr id="89" name="Straight Connector 88">
               <a:extLst>
                 <a:ext uri="{FF2B5EF4-FFF2-40B4-BE49-F238E27FC236}">
-                  <a16:creationId xmlns:a16="http://schemas.microsoft.com/office/drawing/2014/main" id="{DC29D0B7-1717-B748-B66C-1E1C4A0AEF77}"/>
-                </a:ext>
-              </a:extLst>
-            </p:cNvPr>
-            <p:cNvCxnSpPr>
-              <a:cxnSpLocks/>
-            </p:cNvCxnSpPr>
-            <p:nvPr/>
-          </p:nvCxnSpPr>
-          <p:spPr>
-            <a:xfrm>
-              <a:off x="6418402" y="4513403"/>
-              <a:ext cx="2472508" cy="0"/>
-            </a:xfrm>
-            <a:prstGeom prst="line">
-              <a:avLst/>
-            </a:prstGeom>
-            <a:grpFill/>
-            <a:ln w="28575"/>
-          </p:spPr>
-          <p:style>
-            <a:lnRef idx="1">
-              <a:schemeClr val="dk1"/>
-            </a:lnRef>
-            <a:fillRef idx="0">
-              <a:schemeClr val="dk1"/>
-            </a:fillRef>
-            <a:effectRef idx="0">
-              <a:schemeClr val="dk1"/>
-            </a:effectRef>
-            <a:fontRef idx="minor">
-              <a:schemeClr val="tx1"/>
-            </a:fontRef>
-          </p:style>
-        </p:cxnSp>
-      </p:grpSp>
-      <p:grpSp>
-        <p:nvGrpSpPr>
-          <p:cNvPr id="38" name="Group 37">
-            <a:extLst>
-              <a:ext uri="{FF2B5EF4-FFF2-40B4-BE49-F238E27FC236}">
-                <a16:creationId xmlns:a16="http://schemas.microsoft.com/office/drawing/2014/main" id="{06E2C17E-2B0B-5A4A-90E3-0F5ED784DD47}"/>
-              </a:ext>
-            </a:extLst>
-          </p:cNvPr>
-          <p:cNvGrpSpPr/>
-          <p:nvPr/>
-        </p:nvGrpSpPr>
-        <p:grpSpPr>
-          <a:xfrm>
-            <a:off x="3515753" y="4463899"/>
-            <a:ext cx="2472508" cy="105104"/>
-            <a:chOff x="6418402" y="4453387"/>
-            <a:chExt cx="2472508" cy="105104"/>
-          </a:xfrm>
-          <a:solidFill>
-            <a:schemeClr val="tx1"/>
-          </a:solidFill>
-        </p:grpSpPr>
-        <p:sp>
-          <p:nvSpPr>
-            <p:cNvPr id="39" name="Oval 38">
-              <a:extLst>
-                <a:ext uri="{FF2B5EF4-FFF2-40B4-BE49-F238E27FC236}">
-                  <a16:creationId xmlns:a16="http://schemas.microsoft.com/office/drawing/2014/main" id="{70A44E07-15FD-2341-BD18-825E4576A8D7}"/>
-                </a:ext>
-              </a:extLst>
-            </p:cNvPr>
-            <p:cNvSpPr/>
-            <p:nvPr/>
-          </p:nvSpPr>
-          <p:spPr>
-            <a:xfrm>
-              <a:off x="7594293" y="4453387"/>
-              <a:ext cx="99707" cy="105104"/>
-            </a:xfrm>
-            <a:prstGeom prst="ellipse">
-              <a:avLst/>
-            </a:prstGeom>
-            <a:grpFill/>
-            <a:ln w="57150">
-              <a:noFill/>
-            </a:ln>
-          </p:spPr>
-          <p:style>
-            <a:lnRef idx="2">
-              <a:schemeClr val="accent1">
-                <a:shade val="50000"/>
-              </a:schemeClr>
-            </a:lnRef>
-            <a:fillRef idx="1">
-              <a:schemeClr val="accent1"/>
-            </a:fillRef>
-            <a:effectRef idx="0">
-              <a:schemeClr val="accent1"/>
-            </a:effectRef>
-            <a:fontRef idx="minor">
-              <a:schemeClr val="lt1"/>
-            </a:fontRef>
-          </p:style>
-          <p:txBody>
-            <a:bodyPr rtlCol="0" anchor="ctr"/>
-            <a:lstStyle/>
-            <a:p>
-              <a:pPr algn="ctr"/>
-              <a:endParaRPr lang="en-US"/>
-            </a:p>
-          </p:txBody>
-        </p:sp>
-        <p:cxnSp>
-          <p:nvCxnSpPr>
-            <p:cNvPr id="40" name="Straight Connector 39">
-              <a:extLst>
-                <a:ext uri="{FF2B5EF4-FFF2-40B4-BE49-F238E27FC236}">
-                  <a16:creationId xmlns:a16="http://schemas.microsoft.com/office/drawing/2014/main" id="{C70720A5-4F65-1C4D-96F1-0F59801B1A29}"/>
+                  <a16:creationId xmlns:a16="http://schemas.microsoft.com/office/drawing/2014/main" id="{9A25C3F6-405F-3348-8F64-D3E22DEB0FD9}"/>
                 </a:ext>
               </a:extLst>
             </p:cNvPr>
@@ -5261,10 +5037,10 @@
       </p:grpSp>
       <p:sp>
         <p:nvSpPr>
-          <p:cNvPr id="3" name="Oval 2">
-            <a:extLst>
-              <a:ext uri="{FF2B5EF4-FFF2-40B4-BE49-F238E27FC236}">
-                <a16:creationId xmlns:a16="http://schemas.microsoft.com/office/drawing/2014/main" id="{25A26C39-0509-CB4B-9CC1-9ECA7F8F2E70}"/>
+          <p:cNvPr id="90" name="Oval 89">
+            <a:extLst>
+              <a:ext uri="{FF2B5EF4-FFF2-40B4-BE49-F238E27FC236}">
+                <a16:creationId xmlns:a16="http://schemas.microsoft.com/office/drawing/2014/main" id="{0859DE5F-83B7-4F40-A53A-840996D19F01}"/>
               </a:ext>
             </a:extLst>
           </p:cNvPr>
@@ -5315,10 +5091,10 @@
       </p:sp>
       <p:cxnSp>
         <p:nvCxnSpPr>
-          <p:cNvPr id="5" name="Straight Connector 4">
-            <a:extLst>
-              <a:ext uri="{FF2B5EF4-FFF2-40B4-BE49-F238E27FC236}">
-                <a16:creationId xmlns:a16="http://schemas.microsoft.com/office/drawing/2014/main" id="{77000B44-7C78-4044-850A-F646FFC615E1}"/>
+          <p:cNvPr id="91" name="Straight Connector 90">
+            <a:extLst>
+              <a:ext uri="{FF2B5EF4-FFF2-40B4-BE49-F238E27FC236}">
+                <a16:creationId xmlns:a16="http://schemas.microsoft.com/office/drawing/2014/main" id="{A7E512F9-BC64-4249-B973-7E1BA0E04FAC}"/>
               </a:ext>
             </a:extLst>
           </p:cNvPr>
@@ -5365,10 +5141,10 @@
       </p:cxnSp>
       <p:sp>
         <p:nvSpPr>
-          <p:cNvPr id="24" name="Oval 23">
-            <a:extLst>
-              <a:ext uri="{FF2B5EF4-FFF2-40B4-BE49-F238E27FC236}">
-                <a16:creationId xmlns:a16="http://schemas.microsoft.com/office/drawing/2014/main" id="{835EAD13-D0EE-274F-B198-879629194323}"/>
+          <p:cNvPr id="92" name="Oval 91">
+            <a:extLst>
+              <a:ext uri="{FF2B5EF4-FFF2-40B4-BE49-F238E27FC236}">
+                <a16:creationId xmlns:a16="http://schemas.microsoft.com/office/drawing/2014/main" id="{2B097977-195A-A849-92E4-6D05AA5072B9}"/>
               </a:ext>
             </a:extLst>
           </p:cNvPr>
@@ -5419,10 +5195,10 @@
       </p:sp>
       <p:cxnSp>
         <p:nvCxnSpPr>
-          <p:cNvPr id="25" name="Straight Connector 24">
-            <a:extLst>
-              <a:ext uri="{FF2B5EF4-FFF2-40B4-BE49-F238E27FC236}">
-                <a16:creationId xmlns:a16="http://schemas.microsoft.com/office/drawing/2014/main" id="{5F6428B3-B327-0046-8519-B20735F2F6A4}"/>
+          <p:cNvPr id="93" name="Straight Connector 92">
+            <a:extLst>
+              <a:ext uri="{FF2B5EF4-FFF2-40B4-BE49-F238E27FC236}">
+                <a16:creationId xmlns:a16="http://schemas.microsoft.com/office/drawing/2014/main" id="{56377F86-C2C9-D344-9671-CD8672BA2550}"/>
               </a:ext>
             </a:extLst>
           </p:cNvPr>
@@ -5467,116 +5243,137 @@
           </a:fontRef>
         </p:style>
       </p:cxnSp>
-      <p:sp>
-        <p:nvSpPr>
-          <p:cNvPr id="27" name="Oval 26">
-            <a:extLst>
-              <a:ext uri="{FF2B5EF4-FFF2-40B4-BE49-F238E27FC236}">
-                <a16:creationId xmlns:a16="http://schemas.microsoft.com/office/drawing/2014/main" id="{ACB3B6AC-F15B-7F4C-BE79-50ED1C0BB111}"/>
-              </a:ext>
-            </a:extLst>
-          </p:cNvPr>
-          <p:cNvSpPr/>
+      <p:grpSp>
+        <p:nvGrpSpPr>
+          <p:cNvPr id="94" name="Group 93">
+            <a:extLst>
+              <a:ext uri="{FF2B5EF4-FFF2-40B4-BE49-F238E27FC236}">
+                <a16:creationId xmlns:a16="http://schemas.microsoft.com/office/drawing/2014/main" id="{8F274CD0-6DE9-CC4F-B029-DEBA1F1B5754}"/>
+              </a:ext>
+            </a:extLst>
+          </p:cNvPr>
+          <p:cNvGrpSpPr/>
           <p:nvPr/>
-        </p:nvSpPr>
-        <p:spPr>
+        </p:nvGrpSpPr>
+        <p:grpSpPr>
           <a:xfrm>
-            <a:off x="5854287" y="2631980"/>
-            <a:ext cx="99707" cy="105104"/>
+            <a:off x="4678396" y="2318713"/>
+            <a:ext cx="2472508" cy="105104"/>
+            <a:chOff x="4678396" y="2631980"/>
+            <a:chExt cx="2472508" cy="105104"/>
           </a:xfrm>
-          <a:prstGeom prst="ellipse">
-            <a:avLst/>
-          </a:prstGeom>
-          <a:solidFill>
-            <a:schemeClr val="accent6">
-              <a:lumMod val="75000"/>
-            </a:schemeClr>
-          </a:solidFill>
-          <a:ln w="57150">
-            <a:noFill/>
-          </a:ln>
-        </p:spPr>
-        <p:style>
-          <a:lnRef idx="2">
-            <a:schemeClr val="accent1">
-              <a:shade val="50000"/>
-            </a:schemeClr>
-          </a:lnRef>
-          <a:fillRef idx="1">
-            <a:schemeClr val="accent1"/>
-          </a:fillRef>
-          <a:effectRef idx="0">
-            <a:schemeClr val="accent1"/>
-          </a:effectRef>
-          <a:fontRef idx="minor">
-            <a:schemeClr val="lt1"/>
-          </a:fontRef>
-        </p:style>
-        <p:txBody>
-          <a:bodyPr rtlCol="0" anchor="ctr"/>
-          <a:lstStyle/>
-          <a:p>
-            <a:pPr algn="ctr"/>
-            <a:endParaRPr lang="en-US"/>
-          </a:p>
-        </p:txBody>
-      </p:sp>
-      <p:cxnSp>
-        <p:nvCxnSpPr>
-          <p:cNvPr id="28" name="Straight Connector 27">
-            <a:extLst>
-              <a:ext uri="{FF2B5EF4-FFF2-40B4-BE49-F238E27FC236}">
-                <a16:creationId xmlns:a16="http://schemas.microsoft.com/office/drawing/2014/main" id="{E021C732-9FC4-3447-9008-74D2D508F9D9}"/>
-              </a:ext>
-            </a:extLst>
-          </p:cNvPr>
-          <p:cNvCxnSpPr>
-            <a:cxnSpLocks/>
-          </p:cNvCxnSpPr>
-          <p:nvPr/>
-        </p:nvCxnSpPr>
-        <p:spPr>
-          <a:xfrm>
-            <a:off x="4678396" y="2691996"/>
-            <a:ext cx="2472508" cy="0"/>
-          </a:xfrm>
-          <a:prstGeom prst="line">
-            <a:avLst/>
-          </a:prstGeom>
-          <a:solidFill>
-            <a:schemeClr val="accent6">
-              <a:lumMod val="75000"/>
-            </a:schemeClr>
-          </a:solidFill>
-          <a:ln w="28575">
+        </p:grpSpPr>
+        <p:sp>
+          <p:nvSpPr>
+            <p:cNvPr id="95" name="Oval 94">
+              <a:extLst>
+                <a:ext uri="{FF2B5EF4-FFF2-40B4-BE49-F238E27FC236}">
+                  <a16:creationId xmlns:a16="http://schemas.microsoft.com/office/drawing/2014/main" id="{0A6B5928-117E-6047-BE64-C405B7E6CB46}"/>
+                </a:ext>
+              </a:extLst>
+            </p:cNvPr>
+            <p:cNvSpPr/>
+            <p:nvPr/>
+          </p:nvSpPr>
+          <p:spPr>
+            <a:xfrm>
+              <a:off x="5854287" y="2631980"/>
+              <a:ext cx="99707" cy="105104"/>
+            </a:xfrm>
+            <a:prstGeom prst="ellipse">
+              <a:avLst/>
+            </a:prstGeom>
             <a:solidFill>
               <a:schemeClr val="accent6">
                 <a:lumMod val="75000"/>
               </a:schemeClr>
             </a:solidFill>
-          </a:ln>
-        </p:spPr>
-        <p:style>
-          <a:lnRef idx="1">
-            <a:schemeClr val="dk1"/>
-          </a:lnRef>
-          <a:fillRef idx="0">
-            <a:schemeClr val="dk1"/>
-          </a:fillRef>
-          <a:effectRef idx="0">
-            <a:schemeClr val="dk1"/>
-          </a:effectRef>
-          <a:fontRef idx="minor">
-            <a:schemeClr val="tx1"/>
-          </a:fontRef>
-        </p:style>
-      </p:cxnSp>
+            <a:ln w="57150">
+              <a:noFill/>
+            </a:ln>
+          </p:spPr>
+          <p:style>
+            <a:lnRef idx="2">
+              <a:schemeClr val="accent1">
+                <a:shade val="50000"/>
+              </a:schemeClr>
+            </a:lnRef>
+            <a:fillRef idx="1">
+              <a:schemeClr val="accent1"/>
+            </a:fillRef>
+            <a:effectRef idx="0">
+              <a:schemeClr val="accent1"/>
+            </a:effectRef>
+            <a:fontRef idx="minor">
+              <a:schemeClr val="lt1"/>
+            </a:fontRef>
+          </p:style>
+          <p:txBody>
+            <a:bodyPr rtlCol="0" anchor="ctr"/>
+            <a:lstStyle/>
+            <a:p>
+              <a:pPr algn="ctr"/>
+              <a:endParaRPr lang="en-US"/>
+            </a:p>
+          </p:txBody>
+        </p:sp>
+        <p:cxnSp>
+          <p:nvCxnSpPr>
+            <p:cNvPr id="96" name="Straight Connector 95">
+              <a:extLst>
+                <a:ext uri="{FF2B5EF4-FFF2-40B4-BE49-F238E27FC236}">
+                  <a16:creationId xmlns:a16="http://schemas.microsoft.com/office/drawing/2014/main" id="{738732D9-ED2F-B448-B3D3-B35D8D696474}"/>
+                </a:ext>
+              </a:extLst>
+            </p:cNvPr>
+            <p:cNvCxnSpPr>
+              <a:cxnSpLocks/>
+            </p:cNvCxnSpPr>
+            <p:nvPr/>
+          </p:nvCxnSpPr>
+          <p:spPr>
+            <a:xfrm>
+              <a:off x="4678396" y="2691996"/>
+              <a:ext cx="2472508" cy="0"/>
+            </a:xfrm>
+            <a:prstGeom prst="line">
+              <a:avLst/>
+            </a:prstGeom>
+            <a:solidFill>
+              <a:schemeClr val="accent6">
+                <a:lumMod val="75000"/>
+              </a:schemeClr>
+            </a:solidFill>
+            <a:ln w="28575">
+              <a:solidFill>
+                <a:schemeClr val="accent6">
+                  <a:lumMod val="75000"/>
+                </a:schemeClr>
+              </a:solidFill>
+            </a:ln>
+          </p:spPr>
+          <p:style>
+            <a:lnRef idx="1">
+              <a:schemeClr val="dk1"/>
+            </a:lnRef>
+            <a:fillRef idx="0">
+              <a:schemeClr val="dk1"/>
+            </a:fillRef>
+            <a:effectRef idx="0">
+              <a:schemeClr val="dk1"/>
+            </a:effectRef>
+            <a:fontRef idx="minor">
+              <a:schemeClr val="tx1"/>
+            </a:fontRef>
+          </p:style>
+        </p:cxnSp>
+      </p:grpSp>
       <p:sp>
         <p:nvSpPr>
-          <p:cNvPr id="30" name="Oval 29">
-            <a:extLst>
-              <a:ext uri="{FF2B5EF4-FFF2-40B4-BE49-F238E27FC236}">
-                <a16:creationId xmlns:a16="http://schemas.microsoft.com/office/drawing/2014/main" id="{6E4FE004-BA80-E049-A4AE-C46B811E9F01}"/>
+          <p:cNvPr id="97" name="Oval 96">
+            <a:extLst>
+              <a:ext uri="{FF2B5EF4-FFF2-40B4-BE49-F238E27FC236}">
+                <a16:creationId xmlns:a16="http://schemas.microsoft.com/office/drawing/2014/main" id="{6F5800AC-944F-DB45-99DD-E040DD23145A}"/>
               </a:ext>
             </a:extLst>
           </p:cNvPr>
@@ -5627,10 +5424,10 @@
       </p:sp>
       <p:cxnSp>
         <p:nvCxnSpPr>
-          <p:cNvPr id="31" name="Straight Connector 30">
-            <a:extLst>
-              <a:ext uri="{FF2B5EF4-FFF2-40B4-BE49-F238E27FC236}">
-                <a16:creationId xmlns:a16="http://schemas.microsoft.com/office/drawing/2014/main" id="{F5D18943-69F4-6844-ABF4-BF3CF530B2D2}"/>
+          <p:cNvPr id="98" name="Straight Connector 97">
+            <a:extLst>
+              <a:ext uri="{FF2B5EF4-FFF2-40B4-BE49-F238E27FC236}">
+                <a16:creationId xmlns:a16="http://schemas.microsoft.com/office/drawing/2014/main" id="{9AF80CEB-B6CE-3B4B-9485-3B023C2F433A}"/>
               </a:ext>
             </a:extLst>
           </p:cNvPr>
@@ -5641,7 +5438,7 @@
         </p:nvCxnSpPr>
         <p:spPr>
           <a:xfrm>
-            <a:off x="5285495" y="2111581"/>
+            <a:off x="5285495" y="2101071"/>
             <a:ext cx="2472508" cy="0"/>
           </a:xfrm>
           <a:prstGeom prst="line">
@@ -5677,10 +5474,10 @@
       </p:cxnSp>
       <p:sp>
         <p:nvSpPr>
-          <p:cNvPr id="33" name="Oval 32">
-            <a:extLst>
-              <a:ext uri="{FF2B5EF4-FFF2-40B4-BE49-F238E27FC236}">
-                <a16:creationId xmlns:a16="http://schemas.microsoft.com/office/drawing/2014/main" id="{83E46E70-CD6D-284A-B9C8-024770401636}"/>
+          <p:cNvPr id="99" name="Oval 98">
+            <a:extLst>
+              <a:ext uri="{FF2B5EF4-FFF2-40B4-BE49-F238E27FC236}">
+                <a16:creationId xmlns:a16="http://schemas.microsoft.com/office/drawing/2014/main" id="{E65C0549-F484-2B45-9760-CBDC47D597C9}"/>
               </a:ext>
             </a:extLst>
           </p:cNvPr>
@@ -5689,7 +5486,7 @@
         </p:nvSpPr>
         <p:spPr>
           <a:xfrm>
-            <a:off x="6155298" y="1715393"/>
+            <a:off x="6155298" y="1506164"/>
             <a:ext cx="99707" cy="105104"/>
           </a:xfrm>
           <a:prstGeom prst="ellipse">
@@ -5731,10 +5528,10 @@
       </p:sp>
       <p:cxnSp>
         <p:nvCxnSpPr>
-          <p:cNvPr id="34" name="Straight Connector 33">
-            <a:extLst>
-              <a:ext uri="{FF2B5EF4-FFF2-40B4-BE49-F238E27FC236}">
-                <a16:creationId xmlns:a16="http://schemas.microsoft.com/office/drawing/2014/main" id="{C3771CA3-8699-D243-A3F0-94A170719662}"/>
+          <p:cNvPr id="100" name="Straight Connector 99">
+            <a:extLst>
+              <a:ext uri="{FF2B5EF4-FFF2-40B4-BE49-F238E27FC236}">
+                <a16:creationId xmlns:a16="http://schemas.microsoft.com/office/drawing/2014/main" id="{584C529E-589E-B74A-BA6E-E1D82CF8AA46}"/>
               </a:ext>
             </a:extLst>
           </p:cNvPr>
@@ -5745,7 +5542,7 @@
         </p:nvCxnSpPr>
         <p:spPr>
           <a:xfrm>
-            <a:off x="4926795" y="1767945"/>
+            <a:off x="4926795" y="1558716"/>
             <a:ext cx="2575035" cy="0"/>
           </a:xfrm>
           <a:prstGeom prst="line">
@@ -5781,10 +5578,10 @@
       </p:cxnSp>
       <p:sp>
         <p:nvSpPr>
-          <p:cNvPr id="42" name="Oval 41">
-            <a:extLst>
-              <a:ext uri="{FF2B5EF4-FFF2-40B4-BE49-F238E27FC236}">
-                <a16:creationId xmlns:a16="http://schemas.microsoft.com/office/drawing/2014/main" id="{F1D24588-78F2-D440-80F0-BF0D077795B9}"/>
+          <p:cNvPr id="101" name="Oval 100">
+            <a:extLst>
+              <a:ext uri="{FF2B5EF4-FFF2-40B4-BE49-F238E27FC236}">
+                <a16:creationId xmlns:a16="http://schemas.microsoft.com/office/drawing/2014/main" id="{8349E05F-C756-0144-BDAD-2F0A9FD3674D}"/>
               </a:ext>
             </a:extLst>
           </p:cNvPr>
@@ -5835,10 +5632,10 @@
       </p:sp>
       <p:cxnSp>
         <p:nvCxnSpPr>
-          <p:cNvPr id="43" name="Straight Connector 42">
-            <a:extLst>
-              <a:ext uri="{FF2B5EF4-FFF2-40B4-BE49-F238E27FC236}">
-                <a16:creationId xmlns:a16="http://schemas.microsoft.com/office/drawing/2014/main" id="{00382A09-14F7-514A-BB35-719127823A4E}"/>
+          <p:cNvPr id="102" name="Straight Connector 101">
+            <a:extLst>
+              <a:ext uri="{FF2B5EF4-FFF2-40B4-BE49-F238E27FC236}">
+                <a16:creationId xmlns:a16="http://schemas.microsoft.com/office/drawing/2014/main" id="{C7A2FB80-09B7-784A-BE47-B98008F1D85B}"/>
               </a:ext>
             </a:extLst>
           </p:cNvPr>
@@ -5849,7 +5646,7 @@
         </p:nvCxnSpPr>
         <p:spPr>
           <a:xfrm>
-            <a:off x="4678396" y="3509934"/>
+            <a:off x="4667886" y="3488914"/>
             <a:ext cx="2472508" cy="0"/>
           </a:xfrm>
           <a:prstGeom prst="line">
@@ -5885,10 +5682,10 @@
       </p:cxnSp>
       <p:grpSp>
         <p:nvGrpSpPr>
-          <p:cNvPr id="44" name="Group 43">
-            <a:extLst>
-              <a:ext uri="{FF2B5EF4-FFF2-40B4-BE49-F238E27FC236}">
-                <a16:creationId xmlns:a16="http://schemas.microsoft.com/office/drawing/2014/main" id="{FE21BD25-81DC-1242-9BB7-B2F6B2F2DA7B}"/>
+          <p:cNvPr id="103" name="Group 102">
+            <a:extLst>
+              <a:ext uri="{FF2B5EF4-FFF2-40B4-BE49-F238E27FC236}">
+                <a16:creationId xmlns:a16="http://schemas.microsoft.com/office/drawing/2014/main" id="{D0D14D17-3ECA-374F-A0DA-42B31E9ECB6D}"/>
               </a:ext>
             </a:extLst>
           </p:cNvPr>
@@ -5897,18 +5694,18 @@
         </p:nvGrpSpPr>
         <p:grpSpPr>
           <a:xfrm>
-            <a:off x="7325138" y="4600376"/>
+            <a:off x="4393306" y="2566664"/>
             <a:ext cx="2472508" cy="105104"/>
-            <a:chOff x="6418402" y="4453387"/>
+            <a:chOff x="4678396" y="2631980"/>
             <a:chExt cx="2472508" cy="105104"/>
           </a:xfrm>
         </p:grpSpPr>
         <p:sp>
           <p:nvSpPr>
-            <p:cNvPr id="45" name="Oval 44">
+            <p:cNvPr id="104" name="Oval 103">
               <a:extLst>
                 <a:ext uri="{FF2B5EF4-FFF2-40B4-BE49-F238E27FC236}">
-                  <a16:creationId xmlns:a16="http://schemas.microsoft.com/office/drawing/2014/main" id="{2F1E92AB-DC8C-5444-9E6F-017054943ABD}"/>
+                  <a16:creationId xmlns:a16="http://schemas.microsoft.com/office/drawing/2014/main" id="{6D22308D-A9AC-A742-96F1-A1C204EC7E5C}"/>
                 </a:ext>
               </a:extLst>
             </p:cNvPr>
@@ -5917,14 +5714,16 @@
           </p:nvSpPr>
           <p:spPr>
             <a:xfrm>
-              <a:off x="7594293" y="4453387"/>
+              <a:off x="5854287" y="2631980"/>
               <a:ext cx="99707" cy="105104"/>
             </a:xfrm>
             <a:prstGeom prst="ellipse">
               <a:avLst/>
             </a:prstGeom>
             <a:solidFill>
-              <a:schemeClr val="tx1"/>
+              <a:schemeClr val="accent6">
+                <a:lumMod val="75000"/>
+              </a:schemeClr>
             </a:solidFill>
             <a:ln w="57150">
               <a:noFill/>
@@ -5957,10 +5756,10 @@
         </p:sp>
         <p:cxnSp>
           <p:nvCxnSpPr>
-            <p:cNvPr id="46" name="Straight Connector 45">
+            <p:cNvPr id="105" name="Straight Connector 104">
               <a:extLst>
                 <a:ext uri="{FF2B5EF4-FFF2-40B4-BE49-F238E27FC236}">
-                  <a16:creationId xmlns:a16="http://schemas.microsoft.com/office/drawing/2014/main" id="{42D3AD2A-1554-DC4C-AF51-DA40CF02F628}"/>
+                  <a16:creationId xmlns:a16="http://schemas.microsoft.com/office/drawing/2014/main" id="{D58F8307-50A0-9841-BDD2-0227CF26E75F}"/>
                 </a:ext>
               </a:extLst>
             </p:cNvPr>
@@ -5971,13 +5770,24 @@
           </p:nvCxnSpPr>
           <p:spPr>
             <a:xfrm>
-              <a:off x="6418402" y="4513403"/>
+              <a:off x="4678396" y="2691996"/>
               <a:ext cx="2472508" cy="0"/>
             </a:xfrm>
             <a:prstGeom prst="line">
               <a:avLst/>
             </a:prstGeom>
-            <a:ln w="28575"/>
+            <a:solidFill>
+              <a:schemeClr val="accent6">
+                <a:lumMod val="75000"/>
+              </a:schemeClr>
+            </a:solidFill>
+            <a:ln w="28575">
+              <a:solidFill>
+                <a:schemeClr val="accent6">
+                  <a:lumMod val="75000"/>
+                </a:schemeClr>
+              </a:solidFill>
+            </a:ln>
           </p:spPr>
           <p:style>
             <a:lnRef idx="1">
@@ -5995,6 +5805,1485 @@
           </p:style>
         </p:cxnSp>
       </p:grpSp>
+      <p:grpSp>
+        <p:nvGrpSpPr>
+          <p:cNvPr id="106" name="Group 105">
+            <a:extLst>
+              <a:ext uri="{FF2B5EF4-FFF2-40B4-BE49-F238E27FC236}">
+                <a16:creationId xmlns:a16="http://schemas.microsoft.com/office/drawing/2014/main" id="{5A0BAE87-F5AC-0C41-85E8-FA3104F69DE2}"/>
+              </a:ext>
+            </a:extLst>
+          </p:cNvPr>
+          <p:cNvGrpSpPr/>
+          <p:nvPr/>
+        </p:nvGrpSpPr>
+        <p:grpSpPr>
+          <a:xfrm>
+            <a:off x="5283303" y="2861069"/>
+            <a:ext cx="2472508" cy="105104"/>
+            <a:chOff x="4678396" y="2631980"/>
+            <a:chExt cx="2472508" cy="105104"/>
+          </a:xfrm>
+        </p:grpSpPr>
+        <p:sp>
+          <p:nvSpPr>
+            <p:cNvPr id="107" name="Oval 106">
+              <a:extLst>
+                <a:ext uri="{FF2B5EF4-FFF2-40B4-BE49-F238E27FC236}">
+                  <a16:creationId xmlns:a16="http://schemas.microsoft.com/office/drawing/2014/main" id="{B8227D22-C01B-3C4D-B5A5-1A66EF78A37F}"/>
+                </a:ext>
+              </a:extLst>
+            </p:cNvPr>
+            <p:cNvSpPr/>
+            <p:nvPr/>
+          </p:nvSpPr>
+          <p:spPr>
+            <a:xfrm>
+              <a:off x="5854287" y="2631980"/>
+              <a:ext cx="99707" cy="105104"/>
+            </a:xfrm>
+            <a:prstGeom prst="ellipse">
+              <a:avLst/>
+            </a:prstGeom>
+            <a:solidFill>
+              <a:schemeClr val="accent6">
+                <a:lumMod val="75000"/>
+              </a:schemeClr>
+            </a:solidFill>
+            <a:ln w="57150">
+              <a:noFill/>
+            </a:ln>
+          </p:spPr>
+          <p:style>
+            <a:lnRef idx="2">
+              <a:schemeClr val="accent1">
+                <a:shade val="50000"/>
+              </a:schemeClr>
+            </a:lnRef>
+            <a:fillRef idx="1">
+              <a:schemeClr val="accent1"/>
+            </a:fillRef>
+            <a:effectRef idx="0">
+              <a:schemeClr val="accent1"/>
+            </a:effectRef>
+            <a:fontRef idx="minor">
+              <a:schemeClr val="lt1"/>
+            </a:fontRef>
+          </p:style>
+          <p:txBody>
+            <a:bodyPr rtlCol="0" anchor="ctr"/>
+            <a:lstStyle/>
+            <a:p>
+              <a:pPr algn="ctr"/>
+              <a:endParaRPr lang="en-US"/>
+            </a:p>
+          </p:txBody>
+        </p:sp>
+        <p:cxnSp>
+          <p:nvCxnSpPr>
+            <p:cNvPr id="108" name="Straight Connector 107">
+              <a:extLst>
+                <a:ext uri="{FF2B5EF4-FFF2-40B4-BE49-F238E27FC236}">
+                  <a16:creationId xmlns:a16="http://schemas.microsoft.com/office/drawing/2014/main" id="{1CAFD6C6-2703-8D49-B2FD-D7C030EBF955}"/>
+                </a:ext>
+              </a:extLst>
+            </p:cNvPr>
+            <p:cNvCxnSpPr>
+              <a:cxnSpLocks/>
+            </p:cNvCxnSpPr>
+            <p:nvPr/>
+          </p:nvCxnSpPr>
+          <p:spPr>
+            <a:xfrm>
+              <a:off x="4678396" y="2691996"/>
+              <a:ext cx="2472508" cy="0"/>
+            </a:xfrm>
+            <a:prstGeom prst="line">
+              <a:avLst/>
+            </a:prstGeom>
+            <a:solidFill>
+              <a:schemeClr val="accent6">
+                <a:lumMod val="75000"/>
+              </a:schemeClr>
+            </a:solidFill>
+            <a:ln w="28575">
+              <a:solidFill>
+                <a:schemeClr val="accent6">
+                  <a:lumMod val="75000"/>
+                </a:schemeClr>
+              </a:solidFill>
+            </a:ln>
+          </p:spPr>
+          <p:style>
+            <a:lnRef idx="1">
+              <a:schemeClr val="dk1"/>
+            </a:lnRef>
+            <a:fillRef idx="0">
+              <a:schemeClr val="dk1"/>
+            </a:fillRef>
+            <a:effectRef idx="0">
+              <a:schemeClr val="dk1"/>
+            </a:effectRef>
+            <a:fontRef idx="minor">
+              <a:schemeClr val="tx1"/>
+            </a:fontRef>
+          </p:style>
+        </p:cxnSp>
+      </p:grpSp>
+      <p:grpSp>
+        <p:nvGrpSpPr>
+          <p:cNvPr id="109" name="Group 108">
+            <a:extLst>
+              <a:ext uri="{FF2B5EF4-FFF2-40B4-BE49-F238E27FC236}">
+                <a16:creationId xmlns:a16="http://schemas.microsoft.com/office/drawing/2014/main" id="{3C31F56D-A63A-8D46-A55E-01EAFC301E82}"/>
+              </a:ext>
+            </a:extLst>
+          </p:cNvPr>
+          <p:cNvGrpSpPr/>
+          <p:nvPr/>
+        </p:nvGrpSpPr>
+        <p:grpSpPr>
+          <a:xfrm>
+            <a:off x="5272793" y="3572937"/>
+            <a:ext cx="2472508" cy="105104"/>
+            <a:chOff x="4678396" y="2631980"/>
+            <a:chExt cx="2472508" cy="105104"/>
+          </a:xfrm>
+        </p:grpSpPr>
+        <p:sp>
+          <p:nvSpPr>
+            <p:cNvPr id="110" name="Oval 109">
+              <a:extLst>
+                <a:ext uri="{FF2B5EF4-FFF2-40B4-BE49-F238E27FC236}">
+                  <a16:creationId xmlns:a16="http://schemas.microsoft.com/office/drawing/2014/main" id="{FB9D98FC-156F-7743-8CC8-641EE68BED16}"/>
+                </a:ext>
+              </a:extLst>
+            </p:cNvPr>
+            <p:cNvSpPr/>
+            <p:nvPr/>
+          </p:nvSpPr>
+          <p:spPr>
+            <a:xfrm>
+              <a:off x="5854287" y="2631980"/>
+              <a:ext cx="99707" cy="105104"/>
+            </a:xfrm>
+            <a:prstGeom prst="ellipse">
+              <a:avLst/>
+            </a:prstGeom>
+            <a:solidFill>
+              <a:schemeClr val="accent6">
+                <a:lumMod val="75000"/>
+              </a:schemeClr>
+            </a:solidFill>
+            <a:ln w="57150">
+              <a:noFill/>
+            </a:ln>
+          </p:spPr>
+          <p:style>
+            <a:lnRef idx="2">
+              <a:schemeClr val="accent1">
+                <a:shade val="50000"/>
+              </a:schemeClr>
+            </a:lnRef>
+            <a:fillRef idx="1">
+              <a:schemeClr val="accent1"/>
+            </a:fillRef>
+            <a:effectRef idx="0">
+              <a:schemeClr val="accent1"/>
+            </a:effectRef>
+            <a:fontRef idx="minor">
+              <a:schemeClr val="lt1"/>
+            </a:fontRef>
+          </p:style>
+          <p:txBody>
+            <a:bodyPr rtlCol="0" anchor="ctr"/>
+            <a:lstStyle/>
+            <a:p>
+              <a:pPr algn="ctr"/>
+              <a:endParaRPr lang="en-US"/>
+            </a:p>
+          </p:txBody>
+        </p:sp>
+        <p:cxnSp>
+          <p:nvCxnSpPr>
+            <p:cNvPr id="111" name="Straight Connector 110">
+              <a:extLst>
+                <a:ext uri="{FF2B5EF4-FFF2-40B4-BE49-F238E27FC236}">
+                  <a16:creationId xmlns:a16="http://schemas.microsoft.com/office/drawing/2014/main" id="{43BDFEE7-4CDA-B447-8B8B-677F16A09BC5}"/>
+                </a:ext>
+              </a:extLst>
+            </p:cNvPr>
+            <p:cNvCxnSpPr>
+              <a:cxnSpLocks/>
+            </p:cNvCxnSpPr>
+            <p:nvPr/>
+          </p:nvCxnSpPr>
+          <p:spPr>
+            <a:xfrm>
+              <a:off x="4678396" y="2691996"/>
+              <a:ext cx="2472508" cy="0"/>
+            </a:xfrm>
+            <a:prstGeom prst="line">
+              <a:avLst/>
+            </a:prstGeom>
+            <a:solidFill>
+              <a:schemeClr val="accent6">
+                <a:lumMod val="75000"/>
+              </a:schemeClr>
+            </a:solidFill>
+            <a:ln w="28575">
+              <a:solidFill>
+                <a:schemeClr val="accent6">
+                  <a:lumMod val="75000"/>
+                </a:schemeClr>
+              </a:solidFill>
+            </a:ln>
+          </p:spPr>
+          <p:style>
+            <a:lnRef idx="1">
+              <a:schemeClr val="dk1"/>
+            </a:lnRef>
+            <a:fillRef idx="0">
+              <a:schemeClr val="dk1"/>
+            </a:fillRef>
+            <a:effectRef idx="0">
+              <a:schemeClr val="dk1"/>
+            </a:effectRef>
+            <a:fontRef idx="minor">
+              <a:schemeClr val="tx1"/>
+            </a:fontRef>
+          </p:style>
+        </p:cxnSp>
+      </p:grpSp>
+      <p:grpSp>
+        <p:nvGrpSpPr>
+          <p:cNvPr id="112" name="Group 111">
+            <a:extLst>
+              <a:ext uri="{FF2B5EF4-FFF2-40B4-BE49-F238E27FC236}">
+                <a16:creationId xmlns:a16="http://schemas.microsoft.com/office/drawing/2014/main" id="{B4966987-EDFE-9B4C-A249-5628BF205E52}"/>
+              </a:ext>
+            </a:extLst>
+          </p:cNvPr>
+          <p:cNvGrpSpPr/>
+          <p:nvPr/>
+        </p:nvGrpSpPr>
+        <p:grpSpPr>
+          <a:xfrm>
+            <a:off x="5858607" y="4100162"/>
+            <a:ext cx="2472508" cy="105104"/>
+            <a:chOff x="4678396" y="2631980"/>
+            <a:chExt cx="2472508" cy="105104"/>
+          </a:xfrm>
+        </p:grpSpPr>
+        <p:sp>
+          <p:nvSpPr>
+            <p:cNvPr id="113" name="Oval 112">
+              <a:extLst>
+                <a:ext uri="{FF2B5EF4-FFF2-40B4-BE49-F238E27FC236}">
+                  <a16:creationId xmlns:a16="http://schemas.microsoft.com/office/drawing/2014/main" id="{87BAFFF2-6F45-9247-8A54-44E2967B444C}"/>
+                </a:ext>
+              </a:extLst>
+            </p:cNvPr>
+            <p:cNvSpPr/>
+            <p:nvPr/>
+          </p:nvSpPr>
+          <p:spPr>
+            <a:xfrm>
+              <a:off x="5854287" y="2631980"/>
+              <a:ext cx="99707" cy="105104"/>
+            </a:xfrm>
+            <a:prstGeom prst="ellipse">
+              <a:avLst/>
+            </a:prstGeom>
+            <a:solidFill>
+              <a:schemeClr val="accent6">
+                <a:lumMod val="75000"/>
+              </a:schemeClr>
+            </a:solidFill>
+            <a:ln w="57150">
+              <a:noFill/>
+            </a:ln>
+          </p:spPr>
+          <p:style>
+            <a:lnRef idx="2">
+              <a:schemeClr val="accent1">
+                <a:shade val="50000"/>
+              </a:schemeClr>
+            </a:lnRef>
+            <a:fillRef idx="1">
+              <a:schemeClr val="accent1"/>
+            </a:fillRef>
+            <a:effectRef idx="0">
+              <a:schemeClr val="accent1"/>
+            </a:effectRef>
+            <a:fontRef idx="minor">
+              <a:schemeClr val="lt1"/>
+            </a:fontRef>
+          </p:style>
+          <p:txBody>
+            <a:bodyPr rtlCol="0" anchor="ctr"/>
+            <a:lstStyle/>
+            <a:p>
+              <a:pPr algn="ctr"/>
+              <a:endParaRPr lang="en-US"/>
+            </a:p>
+          </p:txBody>
+        </p:sp>
+        <p:cxnSp>
+          <p:nvCxnSpPr>
+            <p:cNvPr id="114" name="Straight Connector 113">
+              <a:extLst>
+                <a:ext uri="{FF2B5EF4-FFF2-40B4-BE49-F238E27FC236}">
+                  <a16:creationId xmlns:a16="http://schemas.microsoft.com/office/drawing/2014/main" id="{98959873-46BE-F640-9BBF-D31AA2BA7B8C}"/>
+                </a:ext>
+              </a:extLst>
+            </p:cNvPr>
+            <p:cNvCxnSpPr>
+              <a:cxnSpLocks/>
+            </p:cNvCxnSpPr>
+            <p:nvPr/>
+          </p:nvCxnSpPr>
+          <p:spPr>
+            <a:xfrm>
+              <a:off x="4678396" y="2691996"/>
+              <a:ext cx="2472508" cy="0"/>
+            </a:xfrm>
+            <a:prstGeom prst="line">
+              <a:avLst/>
+            </a:prstGeom>
+            <a:solidFill>
+              <a:schemeClr val="accent6">
+                <a:lumMod val="75000"/>
+              </a:schemeClr>
+            </a:solidFill>
+            <a:ln w="28575">
+              <a:solidFill>
+                <a:schemeClr val="accent6">
+                  <a:lumMod val="75000"/>
+                </a:schemeClr>
+              </a:solidFill>
+            </a:ln>
+          </p:spPr>
+          <p:style>
+            <a:lnRef idx="1">
+              <a:schemeClr val="dk1"/>
+            </a:lnRef>
+            <a:fillRef idx="0">
+              <a:schemeClr val="dk1"/>
+            </a:fillRef>
+            <a:effectRef idx="0">
+              <a:schemeClr val="dk1"/>
+            </a:effectRef>
+            <a:fontRef idx="minor">
+              <a:schemeClr val="tx1"/>
+            </a:fontRef>
+          </p:style>
+        </p:cxnSp>
+      </p:grpSp>
+      <p:grpSp>
+        <p:nvGrpSpPr>
+          <p:cNvPr id="115" name="Group 114">
+            <a:extLst>
+              <a:ext uri="{FF2B5EF4-FFF2-40B4-BE49-F238E27FC236}">
+                <a16:creationId xmlns:a16="http://schemas.microsoft.com/office/drawing/2014/main" id="{6E7922A7-726C-E946-A996-F0E33E30A627}"/>
+              </a:ext>
+            </a:extLst>
+          </p:cNvPr>
+          <p:cNvGrpSpPr/>
+          <p:nvPr/>
+        </p:nvGrpSpPr>
+        <p:grpSpPr>
+          <a:xfrm>
+            <a:off x="4393306" y="4289799"/>
+            <a:ext cx="2472508" cy="105104"/>
+            <a:chOff x="4678396" y="2631980"/>
+            <a:chExt cx="2472508" cy="105104"/>
+          </a:xfrm>
+        </p:grpSpPr>
+        <p:sp>
+          <p:nvSpPr>
+            <p:cNvPr id="116" name="Oval 115">
+              <a:extLst>
+                <a:ext uri="{FF2B5EF4-FFF2-40B4-BE49-F238E27FC236}">
+                  <a16:creationId xmlns:a16="http://schemas.microsoft.com/office/drawing/2014/main" id="{B1B5D6F9-4835-0347-990A-1C8EAFEF4504}"/>
+                </a:ext>
+              </a:extLst>
+            </p:cNvPr>
+            <p:cNvSpPr/>
+            <p:nvPr/>
+          </p:nvSpPr>
+          <p:spPr>
+            <a:xfrm>
+              <a:off x="5854287" y="2631980"/>
+              <a:ext cx="99707" cy="105104"/>
+            </a:xfrm>
+            <a:prstGeom prst="ellipse">
+              <a:avLst/>
+            </a:prstGeom>
+            <a:solidFill>
+              <a:schemeClr val="accent6">
+                <a:lumMod val="75000"/>
+              </a:schemeClr>
+            </a:solidFill>
+            <a:ln w="57150">
+              <a:noFill/>
+            </a:ln>
+          </p:spPr>
+          <p:style>
+            <a:lnRef idx="2">
+              <a:schemeClr val="accent1">
+                <a:shade val="50000"/>
+              </a:schemeClr>
+            </a:lnRef>
+            <a:fillRef idx="1">
+              <a:schemeClr val="accent1"/>
+            </a:fillRef>
+            <a:effectRef idx="0">
+              <a:schemeClr val="accent1"/>
+            </a:effectRef>
+            <a:fontRef idx="minor">
+              <a:schemeClr val="lt1"/>
+            </a:fontRef>
+          </p:style>
+          <p:txBody>
+            <a:bodyPr rtlCol="0" anchor="ctr"/>
+            <a:lstStyle/>
+            <a:p>
+              <a:pPr algn="ctr"/>
+              <a:endParaRPr lang="en-US"/>
+            </a:p>
+          </p:txBody>
+        </p:sp>
+        <p:cxnSp>
+          <p:nvCxnSpPr>
+            <p:cNvPr id="117" name="Straight Connector 116">
+              <a:extLst>
+                <a:ext uri="{FF2B5EF4-FFF2-40B4-BE49-F238E27FC236}">
+                  <a16:creationId xmlns:a16="http://schemas.microsoft.com/office/drawing/2014/main" id="{0002CF0A-ADB1-BD49-BDAE-1703CF1FF16B}"/>
+                </a:ext>
+              </a:extLst>
+            </p:cNvPr>
+            <p:cNvCxnSpPr>
+              <a:cxnSpLocks/>
+            </p:cNvCxnSpPr>
+            <p:nvPr/>
+          </p:nvCxnSpPr>
+          <p:spPr>
+            <a:xfrm>
+              <a:off x="4678396" y="2691996"/>
+              <a:ext cx="2472508" cy="0"/>
+            </a:xfrm>
+            <a:prstGeom prst="line">
+              <a:avLst/>
+            </a:prstGeom>
+            <a:solidFill>
+              <a:schemeClr val="accent6">
+                <a:lumMod val="75000"/>
+              </a:schemeClr>
+            </a:solidFill>
+            <a:ln w="28575">
+              <a:solidFill>
+                <a:schemeClr val="accent6">
+                  <a:lumMod val="75000"/>
+                </a:schemeClr>
+              </a:solidFill>
+            </a:ln>
+          </p:spPr>
+          <p:style>
+            <a:lnRef idx="1">
+              <a:schemeClr val="dk1"/>
+            </a:lnRef>
+            <a:fillRef idx="0">
+              <a:schemeClr val="dk1"/>
+            </a:fillRef>
+            <a:effectRef idx="0">
+              <a:schemeClr val="dk1"/>
+            </a:effectRef>
+            <a:fontRef idx="minor">
+              <a:schemeClr val="tx1"/>
+            </a:fontRef>
+          </p:style>
+        </p:cxnSp>
+      </p:grpSp>
+      <p:grpSp>
+        <p:nvGrpSpPr>
+          <p:cNvPr id="118" name="Group 117">
+            <a:extLst>
+              <a:ext uri="{FF2B5EF4-FFF2-40B4-BE49-F238E27FC236}">
+                <a16:creationId xmlns:a16="http://schemas.microsoft.com/office/drawing/2014/main" id="{CB7D6D9D-7801-9F41-A756-2C10A9E8CFF3}"/>
+              </a:ext>
+            </a:extLst>
+          </p:cNvPr>
+          <p:cNvGrpSpPr/>
+          <p:nvPr/>
+        </p:nvGrpSpPr>
+        <p:grpSpPr>
+          <a:xfrm>
+            <a:off x="5564096" y="4677843"/>
+            <a:ext cx="2472508" cy="105104"/>
+            <a:chOff x="4678396" y="2631980"/>
+            <a:chExt cx="2472508" cy="105104"/>
+          </a:xfrm>
+        </p:grpSpPr>
+        <p:sp>
+          <p:nvSpPr>
+            <p:cNvPr id="119" name="Oval 118">
+              <a:extLst>
+                <a:ext uri="{FF2B5EF4-FFF2-40B4-BE49-F238E27FC236}">
+                  <a16:creationId xmlns:a16="http://schemas.microsoft.com/office/drawing/2014/main" id="{CB601DAB-04E9-8A4B-85AE-938C6C86E06B}"/>
+                </a:ext>
+              </a:extLst>
+            </p:cNvPr>
+            <p:cNvSpPr/>
+            <p:nvPr/>
+          </p:nvSpPr>
+          <p:spPr>
+            <a:xfrm>
+              <a:off x="5854287" y="2631980"/>
+              <a:ext cx="99707" cy="105104"/>
+            </a:xfrm>
+            <a:prstGeom prst="ellipse">
+              <a:avLst/>
+            </a:prstGeom>
+            <a:solidFill>
+              <a:schemeClr val="accent6">
+                <a:lumMod val="75000"/>
+              </a:schemeClr>
+            </a:solidFill>
+            <a:ln w="57150">
+              <a:noFill/>
+            </a:ln>
+          </p:spPr>
+          <p:style>
+            <a:lnRef idx="2">
+              <a:schemeClr val="accent1">
+                <a:shade val="50000"/>
+              </a:schemeClr>
+            </a:lnRef>
+            <a:fillRef idx="1">
+              <a:schemeClr val="accent1"/>
+            </a:fillRef>
+            <a:effectRef idx="0">
+              <a:schemeClr val="accent1"/>
+            </a:effectRef>
+            <a:fontRef idx="minor">
+              <a:schemeClr val="lt1"/>
+            </a:fontRef>
+          </p:style>
+          <p:txBody>
+            <a:bodyPr rtlCol="0" anchor="ctr"/>
+            <a:lstStyle/>
+            <a:p>
+              <a:pPr algn="ctr"/>
+              <a:endParaRPr lang="en-US"/>
+            </a:p>
+          </p:txBody>
+        </p:sp>
+        <p:cxnSp>
+          <p:nvCxnSpPr>
+            <p:cNvPr id="120" name="Straight Connector 119">
+              <a:extLst>
+                <a:ext uri="{FF2B5EF4-FFF2-40B4-BE49-F238E27FC236}">
+                  <a16:creationId xmlns:a16="http://schemas.microsoft.com/office/drawing/2014/main" id="{A8AE1599-0164-D544-B4A7-7FD5FD4FCB71}"/>
+                </a:ext>
+              </a:extLst>
+            </p:cNvPr>
+            <p:cNvCxnSpPr>
+              <a:cxnSpLocks/>
+            </p:cNvCxnSpPr>
+            <p:nvPr/>
+          </p:nvCxnSpPr>
+          <p:spPr>
+            <a:xfrm>
+              <a:off x="4678396" y="2691996"/>
+              <a:ext cx="2472508" cy="0"/>
+            </a:xfrm>
+            <a:prstGeom prst="line">
+              <a:avLst/>
+            </a:prstGeom>
+            <a:solidFill>
+              <a:schemeClr val="accent6">
+                <a:lumMod val="75000"/>
+              </a:schemeClr>
+            </a:solidFill>
+            <a:ln w="28575">
+              <a:solidFill>
+                <a:schemeClr val="accent6">
+                  <a:lumMod val="75000"/>
+                </a:schemeClr>
+              </a:solidFill>
+            </a:ln>
+          </p:spPr>
+          <p:style>
+            <a:lnRef idx="1">
+              <a:schemeClr val="dk1"/>
+            </a:lnRef>
+            <a:fillRef idx="0">
+              <a:schemeClr val="dk1"/>
+            </a:fillRef>
+            <a:effectRef idx="0">
+              <a:schemeClr val="dk1"/>
+            </a:effectRef>
+            <a:fontRef idx="minor">
+              <a:schemeClr val="tx1"/>
+            </a:fontRef>
+          </p:style>
+        </p:cxnSp>
+      </p:grpSp>
+      <p:grpSp>
+        <p:nvGrpSpPr>
+          <p:cNvPr id="121" name="Group 120">
+            <a:extLst>
+              <a:ext uri="{FF2B5EF4-FFF2-40B4-BE49-F238E27FC236}">
+                <a16:creationId xmlns:a16="http://schemas.microsoft.com/office/drawing/2014/main" id="{04AF40CA-0A1E-AB4B-ADF6-EA08B3877063}"/>
+              </a:ext>
+            </a:extLst>
+          </p:cNvPr>
+          <p:cNvGrpSpPr/>
+          <p:nvPr/>
+        </p:nvGrpSpPr>
+        <p:grpSpPr>
+          <a:xfrm>
+            <a:off x="4673709" y="4387635"/>
+            <a:ext cx="2472508" cy="105104"/>
+            <a:chOff x="4678396" y="2631980"/>
+            <a:chExt cx="2472508" cy="105104"/>
+          </a:xfrm>
+        </p:grpSpPr>
+        <p:sp>
+          <p:nvSpPr>
+            <p:cNvPr id="122" name="Oval 121">
+              <a:extLst>
+                <a:ext uri="{FF2B5EF4-FFF2-40B4-BE49-F238E27FC236}">
+                  <a16:creationId xmlns:a16="http://schemas.microsoft.com/office/drawing/2014/main" id="{BB17F155-0D96-9A42-A99E-CE663EAF23AF}"/>
+                </a:ext>
+              </a:extLst>
+            </p:cNvPr>
+            <p:cNvSpPr/>
+            <p:nvPr/>
+          </p:nvSpPr>
+          <p:spPr>
+            <a:xfrm>
+              <a:off x="5854287" y="2631980"/>
+              <a:ext cx="99707" cy="105104"/>
+            </a:xfrm>
+            <a:prstGeom prst="ellipse">
+              <a:avLst/>
+            </a:prstGeom>
+            <a:solidFill>
+              <a:schemeClr val="accent6">
+                <a:lumMod val="75000"/>
+              </a:schemeClr>
+            </a:solidFill>
+            <a:ln w="57150">
+              <a:noFill/>
+            </a:ln>
+          </p:spPr>
+          <p:style>
+            <a:lnRef idx="2">
+              <a:schemeClr val="accent1">
+                <a:shade val="50000"/>
+              </a:schemeClr>
+            </a:lnRef>
+            <a:fillRef idx="1">
+              <a:schemeClr val="accent1"/>
+            </a:fillRef>
+            <a:effectRef idx="0">
+              <a:schemeClr val="accent1"/>
+            </a:effectRef>
+            <a:fontRef idx="minor">
+              <a:schemeClr val="lt1"/>
+            </a:fontRef>
+          </p:style>
+          <p:txBody>
+            <a:bodyPr rtlCol="0" anchor="ctr"/>
+            <a:lstStyle/>
+            <a:p>
+              <a:pPr algn="ctr"/>
+              <a:endParaRPr lang="en-US"/>
+            </a:p>
+          </p:txBody>
+        </p:sp>
+        <p:cxnSp>
+          <p:nvCxnSpPr>
+            <p:cNvPr id="123" name="Straight Connector 122">
+              <a:extLst>
+                <a:ext uri="{FF2B5EF4-FFF2-40B4-BE49-F238E27FC236}">
+                  <a16:creationId xmlns:a16="http://schemas.microsoft.com/office/drawing/2014/main" id="{10B64C95-AA92-C849-9C90-DB208B98B29C}"/>
+                </a:ext>
+              </a:extLst>
+            </p:cNvPr>
+            <p:cNvCxnSpPr>
+              <a:cxnSpLocks/>
+            </p:cNvCxnSpPr>
+            <p:nvPr/>
+          </p:nvCxnSpPr>
+          <p:spPr>
+            <a:xfrm>
+              <a:off x="4678396" y="2691996"/>
+              <a:ext cx="2472508" cy="0"/>
+            </a:xfrm>
+            <a:prstGeom prst="line">
+              <a:avLst/>
+            </a:prstGeom>
+            <a:solidFill>
+              <a:schemeClr val="accent6">
+                <a:lumMod val="75000"/>
+              </a:schemeClr>
+            </a:solidFill>
+            <a:ln w="28575">
+              <a:solidFill>
+                <a:schemeClr val="accent6">
+                  <a:lumMod val="75000"/>
+                </a:schemeClr>
+              </a:solidFill>
+            </a:ln>
+          </p:spPr>
+          <p:style>
+            <a:lnRef idx="1">
+              <a:schemeClr val="dk1"/>
+            </a:lnRef>
+            <a:fillRef idx="0">
+              <a:schemeClr val="dk1"/>
+            </a:fillRef>
+            <a:effectRef idx="0">
+              <a:schemeClr val="dk1"/>
+            </a:effectRef>
+            <a:fontRef idx="minor">
+              <a:schemeClr val="tx1"/>
+            </a:fontRef>
+          </p:style>
+        </p:cxnSp>
+      </p:grpSp>
+      <p:grpSp>
+        <p:nvGrpSpPr>
+          <p:cNvPr id="124" name="Group 123">
+            <a:extLst>
+              <a:ext uri="{FF2B5EF4-FFF2-40B4-BE49-F238E27FC236}">
+                <a16:creationId xmlns:a16="http://schemas.microsoft.com/office/drawing/2014/main" id="{B91D0E88-766E-884C-8E72-1DF564A27768}"/>
+              </a:ext>
+            </a:extLst>
+          </p:cNvPr>
+          <p:cNvGrpSpPr/>
+          <p:nvPr/>
+        </p:nvGrpSpPr>
+        <p:grpSpPr>
+          <a:xfrm>
+            <a:off x="6440976" y="4503767"/>
+            <a:ext cx="2472508" cy="105104"/>
+            <a:chOff x="4678396" y="2631980"/>
+            <a:chExt cx="2472508" cy="105104"/>
+          </a:xfrm>
+        </p:grpSpPr>
+        <p:sp>
+          <p:nvSpPr>
+            <p:cNvPr id="125" name="Oval 124">
+              <a:extLst>
+                <a:ext uri="{FF2B5EF4-FFF2-40B4-BE49-F238E27FC236}">
+                  <a16:creationId xmlns:a16="http://schemas.microsoft.com/office/drawing/2014/main" id="{23A63DC2-E57D-2B4B-9858-BF7ADCAAC8F9}"/>
+                </a:ext>
+              </a:extLst>
+            </p:cNvPr>
+            <p:cNvSpPr/>
+            <p:nvPr/>
+          </p:nvSpPr>
+          <p:spPr>
+            <a:xfrm>
+              <a:off x="5854287" y="2631980"/>
+              <a:ext cx="99707" cy="105104"/>
+            </a:xfrm>
+            <a:prstGeom prst="ellipse">
+              <a:avLst/>
+            </a:prstGeom>
+            <a:solidFill>
+              <a:schemeClr val="accent6">
+                <a:lumMod val="75000"/>
+              </a:schemeClr>
+            </a:solidFill>
+            <a:ln w="57150">
+              <a:noFill/>
+            </a:ln>
+          </p:spPr>
+          <p:style>
+            <a:lnRef idx="2">
+              <a:schemeClr val="accent1">
+                <a:shade val="50000"/>
+              </a:schemeClr>
+            </a:lnRef>
+            <a:fillRef idx="1">
+              <a:schemeClr val="accent1"/>
+            </a:fillRef>
+            <a:effectRef idx="0">
+              <a:schemeClr val="accent1"/>
+            </a:effectRef>
+            <a:fontRef idx="minor">
+              <a:schemeClr val="lt1"/>
+            </a:fontRef>
+          </p:style>
+          <p:txBody>
+            <a:bodyPr rtlCol="0" anchor="ctr"/>
+            <a:lstStyle/>
+            <a:p>
+              <a:pPr algn="ctr"/>
+              <a:endParaRPr lang="en-US"/>
+            </a:p>
+          </p:txBody>
+        </p:sp>
+        <p:cxnSp>
+          <p:nvCxnSpPr>
+            <p:cNvPr id="126" name="Straight Connector 125">
+              <a:extLst>
+                <a:ext uri="{FF2B5EF4-FFF2-40B4-BE49-F238E27FC236}">
+                  <a16:creationId xmlns:a16="http://schemas.microsoft.com/office/drawing/2014/main" id="{C10F5B05-7EF7-6240-94A5-B0E1BC4A92AC}"/>
+                </a:ext>
+              </a:extLst>
+            </p:cNvPr>
+            <p:cNvCxnSpPr>
+              <a:cxnSpLocks/>
+            </p:cNvCxnSpPr>
+            <p:nvPr/>
+          </p:nvCxnSpPr>
+          <p:spPr>
+            <a:xfrm>
+              <a:off x="4678396" y="2691996"/>
+              <a:ext cx="2472508" cy="0"/>
+            </a:xfrm>
+            <a:prstGeom prst="line">
+              <a:avLst/>
+            </a:prstGeom>
+            <a:solidFill>
+              <a:schemeClr val="accent6">
+                <a:lumMod val="75000"/>
+              </a:schemeClr>
+            </a:solidFill>
+            <a:ln w="28575">
+              <a:solidFill>
+                <a:schemeClr val="accent6">
+                  <a:lumMod val="75000"/>
+                </a:schemeClr>
+              </a:solidFill>
+            </a:ln>
+          </p:spPr>
+          <p:style>
+            <a:lnRef idx="1">
+              <a:schemeClr val="dk1"/>
+            </a:lnRef>
+            <a:fillRef idx="0">
+              <a:schemeClr val="dk1"/>
+            </a:fillRef>
+            <a:effectRef idx="0">
+              <a:schemeClr val="dk1"/>
+            </a:effectRef>
+            <a:fontRef idx="minor">
+              <a:schemeClr val="tx1"/>
+            </a:fontRef>
+          </p:style>
+        </p:cxnSp>
+      </p:grpSp>
+      <p:grpSp>
+        <p:nvGrpSpPr>
+          <p:cNvPr id="127" name="Group 126">
+            <a:extLst>
+              <a:ext uri="{FF2B5EF4-FFF2-40B4-BE49-F238E27FC236}">
+                <a16:creationId xmlns:a16="http://schemas.microsoft.com/office/drawing/2014/main" id="{77983F74-7B5C-4247-8FAB-2711CBF7F082}"/>
+              </a:ext>
+            </a:extLst>
+          </p:cNvPr>
+          <p:cNvGrpSpPr/>
+          <p:nvPr/>
+        </p:nvGrpSpPr>
+        <p:grpSpPr>
+          <a:xfrm>
+            <a:off x="4382796" y="3978615"/>
+            <a:ext cx="2472508" cy="105104"/>
+            <a:chOff x="4678396" y="2631980"/>
+            <a:chExt cx="2472508" cy="105104"/>
+          </a:xfrm>
+        </p:grpSpPr>
+        <p:sp>
+          <p:nvSpPr>
+            <p:cNvPr id="128" name="Oval 127">
+              <a:extLst>
+                <a:ext uri="{FF2B5EF4-FFF2-40B4-BE49-F238E27FC236}">
+                  <a16:creationId xmlns:a16="http://schemas.microsoft.com/office/drawing/2014/main" id="{068193EA-1031-6642-8DFB-608AB064011A}"/>
+                </a:ext>
+              </a:extLst>
+            </p:cNvPr>
+            <p:cNvSpPr/>
+            <p:nvPr/>
+          </p:nvSpPr>
+          <p:spPr>
+            <a:xfrm>
+              <a:off x="5854287" y="2631980"/>
+              <a:ext cx="99707" cy="105104"/>
+            </a:xfrm>
+            <a:prstGeom prst="ellipse">
+              <a:avLst/>
+            </a:prstGeom>
+            <a:solidFill>
+              <a:schemeClr val="accent6">
+                <a:lumMod val="75000"/>
+              </a:schemeClr>
+            </a:solidFill>
+            <a:ln w="57150">
+              <a:noFill/>
+            </a:ln>
+          </p:spPr>
+          <p:style>
+            <a:lnRef idx="2">
+              <a:schemeClr val="accent1">
+                <a:shade val="50000"/>
+              </a:schemeClr>
+            </a:lnRef>
+            <a:fillRef idx="1">
+              <a:schemeClr val="accent1"/>
+            </a:fillRef>
+            <a:effectRef idx="0">
+              <a:schemeClr val="accent1"/>
+            </a:effectRef>
+            <a:fontRef idx="minor">
+              <a:schemeClr val="lt1"/>
+            </a:fontRef>
+          </p:style>
+          <p:txBody>
+            <a:bodyPr rtlCol="0" anchor="ctr"/>
+            <a:lstStyle/>
+            <a:p>
+              <a:pPr algn="ctr"/>
+              <a:endParaRPr lang="en-US"/>
+            </a:p>
+          </p:txBody>
+        </p:sp>
+        <p:cxnSp>
+          <p:nvCxnSpPr>
+            <p:cNvPr id="129" name="Straight Connector 128">
+              <a:extLst>
+                <a:ext uri="{FF2B5EF4-FFF2-40B4-BE49-F238E27FC236}">
+                  <a16:creationId xmlns:a16="http://schemas.microsoft.com/office/drawing/2014/main" id="{E3328A0A-B5E0-DA4C-91CE-764892C0EF4E}"/>
+                </a:ext>
+              </a:extLst>
+            </p:cNvPr>
+            <p:cNvCxnSpPr>
+              <a:cxnSpLocks/>
+            </p:cNvCxnSpPr>
+            <p:nvPr/>
+          </p:nvCxnSpPr>
+          <p:spPr>
+            <a:xfrm>
+              <a:off x="4678396" y="2691996"/>
+              <a:ext cx="2472508" cy="0"/>
+            </a:xfrm>
+            <a:prstGeom prst="line">
+              <a:avLst/>
+            </a:prstGeom>
+            <a:solidFill>
+              <a:schemeClr val="accent6">
+                <a:lumMod val="75000"/>
+              </a:schemeClr>
+            </a:solidFill>
+            <a:ln w="28575">
+              <a:solidFill>
+                <a:schemeClr val="accent6">
+                  <a:lumMod val="75000"/>
+                </a:schemeClr>
+              </a:solidFill>
+            </a:ln>
+          </p:spPr>
+          <p:style>
+            <a:lnRef idx="1">
+              <a:schemeClr val="dk1"/>
+            </a:lnRef>
+            <a:fillRef idx="0">
+              <a:schemeClr val="dk1"/>
+            </a:fillRef>
+            <a:effectRef idx="0">
+              <a:schemeClr val="dk1"/>
+            </a:effectRef>
+            <a:fontRef idx="minor">
+              <a:schemeClr val="tx1"/>
+            </a:fontRef>
+          </p:style>
+        </p:cxnSp>
+      </p:grpSp>
+      <p:grpSp>
+        <p:nvGrpSpPr>
+          <p:cNvPr id="130" name="Group 129">
+            <a:extLst>
+              <a:ext uri="{FF2B5EF4-FFF2-40B4-BE49-F238E27FC236}">
+                <a16:creationId xmlns:a16="http://schemas.microsoft.com/office/drawing/2014/main" id="{B4CBE1D6-FA28-D848-AC39-8E7B3DDFC767}"/>
+              </a:ext>
+            </a:extLst>
+          </p:cNvPr>
+          <p:cNvGrpSpPr/>
+          <p:nvPr/>
+        </p:nvGrpSpPr>
+        <p:grpSpPr>
+          <a:xfrm>
+            <a:off x="4673709" y="3044436"/>
+            <a:ext cx="2472508" cy="105104"/>
+            <a:chOff x="4678396" y="2631980"/>
+            <a:chExt cx="2472508" cy="105104"/>
+          </a:xfrm>
+        </p:grpSpPr>
+        <p:sp>
+          <p:nvSpPr>
+            <p:cNvPr id="131" name="Oval 130">
+              <a:extLst>
+                <a:ext uri="{FF2B5EF4-FFF2-40B4-BE49-F238E27FC236}">
+                  <a16:creationId xmlns:a16="http://schemas.microsoft.com/office/drawing/2014/main" id="{6170177A-4448-0E4F-B24D-52B495FE5FC8}"/>
+                </a:ext>
+              </a:extLst>
+            </p:cNvPr>
+            <p:cNvSpPr/>
+            <p:nvPr/>
+          </p:nvSpPr>
+          <p:spPr>
+            <a:xfrm>
+              <a:off x="5854287" y="2631980"/>
+              <a:ext cx="99707" cy="105104"/>
+            </a:xfrm>
+            <a:prstGeom prst="ellipse">
+              <a:avLst/>
+            </a:prstGeom>
+            <a:solidFill>
+              <a:schemeClr val="accent6">
+                <a:lumMod val="75000"/>
+              </a:schemeClr>
+            </a:solidFill>
+            <a:ln w="57150">
+              <a:noFill/>
+            </a:ln>
+          </p:spPr>
+          <p:style>
+            <a:lnRef idx="2">
+              <a:schemeClr val="accent1">
+                <a:shade val="50000"/>
+              </a:schemeClr>
+            </a:lnRef>
+            <a:fillRef idx="1">
+              <a:schemeClr val="accent1"/>
+            </a:fillRef>
+            <a:effectRef idx="0">
+              <a:schemeClr val="accent1"/>
+            </a:effectRef>
+            <a:fontRef idx="minor">
+              <a:schemeClr val="lt1"/>
+            </a:fontRef>
+          </p:style>
+          <p:txBody>
+            <a:bodyPr rtlCol="0" anchor="ctr"/>
+            <a:lstStyle/>
+            <a:p>
+              <a:pPr algn="ctr"/>
+              <a:endParaRPr lang="en-US"/>
+            </a:p>
+          </p:txBody>
+        </p:sp>
+        <p:cxnSp>
+          <p:nvCxnSpPr>
+            <p:cNvPr id="132" name="Straight Connector 131">
+              <a:extLst>
+                <a:ext uri="{FF2B5EF4-FFF2-40B4-BE49-F238E27FC236}">
+                  <a16:creationId xmlns:a16="http://schemas.microsoft.com/office/drawing/2014/main" id="{281A349E-EE79-7349-866A-CB09FABEA1E5}"/>
+                </a:ext>
+              </a:extLst>
+            </p:cNvPr>
+            <p:cNvCxnSpPr>
+              <a:cxnSpLocks/>
+            </p:cNvCxnSpPr>
+            <p:nvPr/>
+          </p:nvCxnSpPr>
+          <p:spPr>
+            <a:xfrm>
+              <a:off x="4678396" y="2691996"/>
+              <a:ext cx="2472508" cy="0"/>
+            </a:xfrm>
+            <a:prstGeom prst="line">
+              <a:avLst/>
+            </a:prstGeom>
+            <a:solidFill>
+              <a:schemeClr val="accent6">
+                <a:lumMod val="75000"/>
+              </a:schemeClr>
+            </a:solidFill>
+            <a:ln w="28575">
+              <a:solidFill>
+                <a:schemeClr val="accent6">
+                  <a:lumMod val="75000"/>
+                </a:schemeClr>
+              </a:solidFill>
+            </a:ln>
+          </p:spPr>
+          <p:style>
+            <a:lnRef idx="1">
+              <a:schemeClr val="dk1"/>
+            </a:lnRef>
+            <a:fillRef idx="0">
+              <a:schemeClr val="dk1"/>
+            </a:fillRef>
+            <a:effectRef idx="0">
+              <a:schemeClr val="dk1"/>
+            </a:effectRef>
+            <a:fontRef idx="minor">
+              <a:schemeClr val="tx1"/>
+            </a:fontRef>
+          </p:style>
+        </p:cxnSp>
+      </p:grpSp>
+      <p:grpSp>
+        <p:nvGrpSpPr>
+          <p:cNvPr id="133" name="Group 132">
+            <a:extLst>
+              <a:ext uri="{FF2B5EF4-FFF2-40B4-BE49-F238E27FC236}">
+                <a16:creationId xmlns:a16="http://schemas.microsoft.com/office/drawing/2014/main" id="{7D3D47AF-80B7-7D49-AFC0-C9233B717F39}"/>
+              </a:ext>
+            </a:extLst>
+          </p:cNvPr>
+          <p:cNvGrpSpPr/>
+          <p:nvPr/>
+        </p:nvGrpSpPr>
+        <p:grpSpPr>
+          <a:xfrm>
+            <a:off x="4382796" y="3273693"/>
+            <a:ext cx="2472508" cy="105104"/>
+            <a:chOff x="4678396" y="2631980"/>
+            <a:chExt cx="2472508" cy="105104"/>
+          </a:xfrm>
+        </p:grpSpPr>
+        <p:sp>
+          <p:nvSpPr>
+            <p:cNvPr id="134" name="Oval 133">
+              <a:extLst>
+                <a:ext uri="{FF2B5EF4-FFF2-40B4-BE49-F238E27FC236}">
+                  <a16:creationId xmlns:a16="http://schemas.microsoft.com/office/drawing/2014/main" id="{57218AB6-AC37-814B-A41E-4565100AA189}"/>
+                </a:ext>
+              </a:extLst>
+            </p:cNvPr>
+            <p:cNvSpPr/>
+            <p:nvPr/>
+          </p:nvSpPr>
+          <p:spPr>
+            <a:xfrm>
+              <a:off x="5854287" y="2631980"/>
+              <a:ext cx="99707" cy="105104"/>
+            </a:xfrm>
+            <a:prstGeom prst="ellipse">
+              <a:avLst/>
+            </a:prstGeom>
+            <a:solidFill>
+              <a:schemeClr val="accent6">
+                <a:lumMod val="75000"/>
+              </a:schemeClr>
+            </a:solidFill>
+            <a:ln w="57150">
+              <a:noFill/>
+            </a:ln>
+          </p:spPr>
+          <p:style>
+            <a:lnRef idx="2">
+              <a:schemeClr val="accent1">
+                <a:shade val="50000"/>
+              </a:schemeClr>
+            </a:lnRef>
+            <a:fillRef idx="1">
+              <a:schemeClr val="accent1"/>
+            </a:fillRef>
+            <a:effectRef idx="0">
+              <a:schemeClr val="accent1"/>
+            </a:effectRef>
+            <a:fontRef idx="minor">
+              <a:schemeClr val="lt1"/>
+            </a:fontRef>
+          </p:style>
+          <p:txBody>
+            <a:bodyPr rtlCol="0" anchor="ctr"/>
+            <a:lstStyle/>
+            <a:p>
+              <a:pPr algn="ctr"/>
+              <a:endParaRPr lang="en-US"/>
+            </a:p>
+          </p:txBody>
+        </p:sp>
+        <p:cxnSp>
+          <p:nvCxnSpPr>
+            <p:cNvPr id="135" name="Straight Connector 134">
+              <a:extLst>
+                <a:ext uri="{FF2B5EF4-FFF2-40B4-BE49-F238E27FC236}">
+                  <a16:creationId xmlns:a16="http://schemas.microsoft.com/office/drawing/2014/main" id="{C63FD2B0-8C5A-9542-87EC-0E7E4A9F196D}"/>
+                </a:ext>
+              </a:extLst>
+            </p:cNvPr>
+            <p:cNvCxnSpPr>
+              <a:cxnSpLocks/>
+            </p:cNvCxnSpPr>
+            <p:nvPr/>
+          </p:nvCxnSpPr>
+          <p:spPr>
+            <a:xfrm>
+              <a:off x="4678396" y="2691996"/>
+              <a:ext cx="2472508" cy="0"/>
+            </a:xfrm>
+            <a:prstGeom prst="line">
+              <a:avLst/>
+            </a:prstGeom>
+            <a:solidFill>
+              <a:schemeClr val="accent6">
+                <a:lumMod val="75000"/>
+              </a:schemeClr>
+            </a:solidFill>
+            <a:ln w="28575">
+              <a:solidFill>
+                <a:schemeClr val="accent6">
+                  <a:lumMod val="75000"/>
+                </a:schemeClr>
+              </a:solidFill>
+            </a:ln>
+          </p:spPr>
+          <p:style>
+            <a:lnRef idx="1">
+              <a:schemeClr val="dk1"/>
+            </a:lnRef>
+            <a:fillRef idx="0">
+              <a:schemeClr val="dk1"/>
+            </a:fillRef>
+            <a:effectRef idx="0">
+              <a:schemeClr val="dk1"/>
+            </a:effectRef>
+            <a:fontRef idx="minor">
+              <a:schemeClr val="tx1"/>
+            </a:fontRef>
+          </p:style>
+        </p:cxnSp>
+      </p:grpSp>
+      <p:grpSp>
+        <p:nvGrpSpPr>
+          <p:cNvPr id="136" name="Group 135">
+            <a:extLst>
+              <a:ext uri="{FF2B5EF4-FFF2-40B4-BE49-F238E27FC236}">
+                <a16:creationId xmlns:a16="http://schemas.microsoft.com/office/drawing/2014/main" id="{5E466DF4-AD7D-794F-9D89-82F85B75A3CB}"/>
+              </a:ext>
+            </a:extLst>
+          </p:cNvPr>
+          <p:cNvGrpSpPr/>
+          <p:nvPr/>
+        </p:nvGrpSpPr>
+        <p:grpSpPr>
+          <a:xfrm>
+            <a:off x="4669698" y="2130294"/>
+            <a:ext cx="2472508" cy="105104"/>
+            <a:chOff x="4678396" y="2631980"/>
+            <a:chExt cx="2472508" cy="105104"/>
+          </a:xfrm>
+        </p:grpSpPr>
+        <p:sp>
+          <p:nvSpPr>
+            <p:cNvPr id="137" name="Oval 136">
+              <a:extLst>
+                <a:ext uri="{FF2B5EF4-FFF2-40B4-BE49-F238E27FC236}">
+                  <a16:creationId xmlns:a16="http://schemas.microsoft.com/office/drawing/2014/main" id="{2099C6A9-04C9-A149-922B-839005E98B0A}"/>
+                </a:ext>
+              </a:extLst>
+            </p:cNvPr>
+            <p:cNvSpPr/>
+            <p:nvPr/>
+          </p:nvSpPr>
+          <p:spPr>
+            <a:xfrm>
+              <a:off x="5854287" y="2631980"/>
+              <a:ext cx="99707" cy="105104"/>
+            </a:xfrm>
+            <a:prstGeom prst="ellipse">
+              <a:avLst/>
+            </a:prstGeom>
+            <a:solidFill>
+              <a:schemeClr val="accent6">
+                <a:lumMod val="75000"/>
+              </a:schemeClr>
+            </a:solidFill>
+            <a:ln w="57150">
+              <a:noFill/>
+            </a:ln>
+          </p:spPr>
+          <p:style>
+            <a:lnRef idx="2">
+              <a:schemeClr val="accent1">
+                <a:shade val="50000"/>
+              </a:schemeClr>
+            </a:lnRef>
+            <a:fillRef idx="1">
+              <a:schemeClr val="accent1"/>
+            </a:fillRef>
+            <a:effectRef idx="0">
+              <a:schemeClr val="accent1"/>
+            </a:effectRef>
+            <a:fontRef idx="minor">
+              <a:schemeClr val="lt1"/>
+            </a:fontRef>
+          </p:style>
+          <p:txBody>
+            <a:bodyPr rtlCol="0" anchor="ctr"/>
+            <a:lstStyle/>
+            <a:p>
+              <a:pPr algn="ctr"/>
+              <a:endParaRPr lang="en-US"/>
+            </a:p>
+          </p:txBody>
+        </p:sp>
+        <p:cxnSp>
+          <p:nvCxnSpPr>
+            <p:cNvPr id="138" name="Straight Connector 137">
+              <a:extLst>
+                <a:ext uri="{FF2B5EF4-FFF2-40B4-BE49-F238E27FC236}">
+                  <a16:creationId xmlns:a16="http://schemas.microsoft.com/office/drawing/2014/main" id="{1D9F6620-F1B9-1D4B-8086-865EFC4B6BCF}"/>
+                </a:ext>
+              </a:extLst>
+            </p:cNvPr>
+            <p:cNvCxnSpPr>
+              <a:cxnSpLocks/>
+            </p:cNvCxnSpPr>
+            <p:nvPr/>
+          </p:nvCxnSpPr>
+          <p:spPr>
+            <a:xfrm>
+              <a:off x="4678396" y="2691996"/>
+              <a:ext cx="2472508" cy="0"/>
+            </a:xfrm>
+            <a:prstGeom prst="line">
+              <a:avLst/>
+            </a:prstGeom>
+            <a:solidFill>
+              <a:schemeClr val="accent6">
+                <a:lumMod val="75000"/>
+              </a:schemeClr>
+            </a:solidFill>
+            <a:ln w="28575">
+              <a:solidFill>
+                <a:schemeClr val="accent6">
+                  <a:lumMod val="75000"/>
+                </a:schemeClr>
+              </a:solidFill>
+            </a:ln>
+          </p:spPr>
+          <p:style>
+            <a:lnRef idx="1">
+              <a:schemeClr val="dk1"/>
+            </a:lnRef>
+            <a:fillRef idx="0">
+              <a:schemeClr val="dk1"/>
+            </a:fillRef>
+            <a:effectRef idx="0">
+              <a:schemeClr val="dk1"/>
+            </a:effectRef>
+            <a:fontRef idx="minor">
+              <a:schemeClr val="tx1"/>
+            </a:fontRef>
+          </p:style>
+        </p:cxnSp>
+      </p:grpSp>
+      <p:sp>
+        <p:nvSpPr>
+          <p:cNvPr id="139" name="Oval 138">
+            <a:extLst>
+              <a:ext uri="{FF2B5EF4-FFF2-40B4-BE49-F238E27FC236}">
+                <a16:creationId xmlns:a16="http://schemas.microsoft.com/office/drawing/2014/main" id="{5DA95B77-A042-E74F-A66C-7AB9E7B566CB}"/>
+              </a:ext>
+            </a:extLst>
+          </p:cNvPr>
+          <p:cNvSpPr/>
+          <p:nvPr/>
+        </p:nvSpPr>
+        <p:spPr>
+          <a:xfrm>
+            <a:off x="5845025" y="3665883"/>
+            <a:ext cx="99707" cy="105104"/>
+          </a:xfrm>
+          <a:prstGeom prst="ellipse">
+            <a:avLst/>
+          </a:prstGeom>
+          <a:solidFill>
+            <a:schemeClr val="accent6">
+              <a:lumMod val="75000"/>
+            </a:schemeClr>
+          </a:solidFill>
+          <a:ln w="57150">
+            <a:noFill/>
+          </a:ln>
+        </p:spPr>
+        <p:style>
+          <a:lnRef idx="2">
+            <a:schemeClr val="accent1">
+              <a:shade val="50000"/>
+            </a:schemeClr>
+          </a:lnRef>
+          <a:fillRef idx="1">
+            <a:schemeClr val="accent1"/>
+          </a:fillRef>
+          <a:effectRef idx="0">
+            <a:schemeClr val="accent1"/>
+          </a:effectRef>
+          <a:fontRef idx="minor">
+            <a:schemeClr val="lt1"/>
+          </a:fontRef>
+        </p:style>
+        <p:txBody>
+          <a:bodyPr rtlCol="0" anchor="ctr"/>
+          <a:lstStyle/>
+          <a:p>
+            <a:pPr algn="ctr"/>
+            <a:endParaRPr lang="en-US"/>
+          </a:p>
+        </p:txBody>
+      </p:sp>
+      <p:cxnSp>
+        <p:nvCxnSpPr>
+          <p:cNvPr id="140" name="Straight Connector 139">
+            <a:extLst>
+              <a:ext uri="{FF2B5EF4-FFF2-40B4-BE49-F238E27FC236}">
+                <a16:creationId xmlns:a16="http://schemas.microsoft.com/office/drawing/2014/main" id="{59C0F123-342E-9045-8933-FDB1939F8202}"/>
+              </a:ext>
+            </a:extLst>
+          </p:cNvPr>
+          <p:cNvCxnSpPr>
+            <a:cxnSpLocks/>
+          </p:cNvCxnSpPr>
+          <p:nvPr/>
+        </p:nvCxnSpPr>
+        <p:spPr>
+          <a:xfrm>
+            <a:off x="4606012" y="3728945"/>
+            <a:ext cx="2575035" cy="0"/>
+          </a:xfrm>
+          <a:prstGeom prst="line">
+            <a:avLst/>
+          </a:prstGeom>
+          <a:solidFill>
+            <a:schemeClr val="accent6">
+              <a:lumMod val="75000"/>
+            </a:schemeClr>
+          </a:solidFill>
+          <a:ln w="28575">
+            <a:solidFill>
+              <a:schemeClr val="accent6">
+                <a:lumMod val="75000"/>
+              </a:schemeClr>
+            </a:solidFill>
+          </a:ln>
+        </p:spPr>
+        <p:style>
+          <a:lnRef idx="1">
+            <a:schemeClr val="dk1"/>
+          </a:lnRef>
+          <a:fillRef idx="0">
+            <a:schemeClr val="dk1"/>
+          </a:fillRef>
+          <a:effectRef idx="0">
+            <a:schemeClr val="dk1"/>
+          </a:effectRef>
+          <a:fontRef idx="minor">
+            <a:schemeClr val="tx1"/>
+          </a:fontRef>
+        </p:style>
+      </p:cxnSp>
     </p:spTree>
     <p:extLst>
       <p:ext uri="{BB962C8B-B14F-4D97-AF65-F5344CB8AC3E}">

--- a/dapr1_lectures/dapr1_2_01_confint/un_boot_ci.pptx
+++ b/dapr1_lectures/dapr1_2_01_confint/un_boot_ci.pptx
@@ -271,7 +271,7 @@
           <a:p>
             <a:fld id="{EE875489-659F-0740-A353-EEFBF8838272}" type="datetimeFigureOut">
               <a:rPr lang="en-US" smtClean="0"/>
-              <a:t>1/16/22</a:t>
+              <a:t>1/10/25</a:t>
             </a:fld>
             <a:endParaRPr lang="en-US"/>
           </a:p>
@@ -471,7 +471,7 @@
           <a:p>
             <a:fld id="{EE875489-659F-0740-A353-EEFBF8838272}" type="datetimeFigureOut">
               <a:rPr lang="en-US" smtClean="0"/>
-              <a:t>1/16/22</a:t>
+              <a:t>1/10/25</a:t>
             </a:fld>
             <a:endParaRPr lang="en-US"/>
           </a:p>
@@ -681,7 +681,7 @@
           <a:p>
             <a:fld id="{EE875489-659F-0740-A353-EEFBF8838272}" type="datetimeFigureOut">
               <a:rPr lang="en-US" smtClean="0"/>
-              <a:t>1/16/22</a:t>
+              <a:t>1/10/25</a:t>
             </a:fld>
             <a:endParaRPr lang="en-US"/>
           </a:p>
@@ -881,7 +881,7 @@
           <a:p>
             <a:fld id="{EE875489-659F-0740-A353-EEFBF8838272}" type="datetimeFigureOut">
               <a:rPr lang="en-US" smtClean="0"/>
-              <a:t>1/16/22</a:t>
+              <a:t>1/10/25</a:t>
             </a:fld>
             <a:endParaRPr lang="en-US"/>
           </a:p>
@@ -1157,7 +1157,7 @@
           <a:p>
             <a:fld id="{EE875489-659F-0740-A353-EEFBF8838272}" type="datetimeFigureOut">
               <a:rPr lang="en-US" smtClean="0"/>
-              <a:t>1/16/22</a:t>
+              <a:t>1/10/25</a:t>
             </a:fld>
             <a:endParaRPr lang="en-US"/>
           </a:p>
@@ -1425,7 +1425,7 @@
           <a:p>
             <a:fld id="{EE875489-659F-0740-A353-EEFBF8838272}" type="datetimeFigureOut">
               <a:rPr lang="en-US" smtClean="0"/>
-              <a:t>1/16/22</a:t>
+              <a:t>1/10/25</a:t>
             </a:fld>
             <a:endParaRPr lang="en-US"/>
           </a:p>
@@ -1840,7 +1840,7 @@
           <a:p>
             <a:fld id="{EE875489-659F-0740-A353-EEFBF8838272}" type="datetimeFigureOut">
               <a:rPr lang="en-US" smtClean="0"/>
-              <a:t>1/16/22</a:t>
+              <a:t>1/10/25</a:t>
             </a:fld>
             <a:endParaRPr lang="en-US"/>
           </a:p>
@@ -1982,7 +1982,7 @@
           <a:p>
             <a:fld id="{EE875489-659F-0740-A353-EEFBF8838272}" type="datetimeFigureOut">
               <a:rPr lang="en-US" smtClean="0"/>
-              <a:t>1/16/22</a:t>
+              <a:t>1/10/25</a:t>
             </a:fld>
             <a:endParaRPr lang="en-US"/>
           </a:p>
@@ -2095,7 +2095,7 @@
           <a:p>
             <a:fld id="{EE875489-659F-0740-A353-EEFBF8838272}" type="datetimeFigureOut">
               <a:rPr lang="en-US" smtClean="0"/>
-              <a:t>1/16/22</a:t>
+              <a:t>1/10/25</a:t>
             </a:fld>
             <a:endParaRPr lang="en-US"/>
           </a:p>
@@ -2408,7 +2408,7 @@
           <a:p>
             <a:fld id="{EE875489-659F-0740-A353-EEFBF8838272}" type="datetimeFigureOut">
               <a:rPr lang="en-US" smtClean="0"/>
-              <a:t>1/16/22</a:t>
+              <a:t>1/10/25</a:t>
             </a:fld>
             <a:endParaRPr lang="en-US"/>
           </a:p>
@@ -2697,7 +2697,7 @@
           <a:p>
             <a:fld id="{EE875489-659F-0740-A353-EEFBF8838272}" type="datetimeFigureOut">
               <a:rPr lang="en-US" smtClean="0"/>
-              <a:t>1/16/22</a:t>
+              <a:t>1/10/25</a:t>
             </a:fld>
             <a:endParaRPr lang="en-US"/>
           </a:p>
@@ -2940,7 +2940,7 @@
           <a:p>
             <a:fld id="{EE875489-659F-0740-A353-EEFBF8838272}" type="datetimeFigureOut">
               <a:rPr lang="en-US" smtClean="0"/>
-              <a:t>1/16/22</a:t>
+              <a:t>1/10/25</a:t>
             </a:fld>
             <a:endParaRPr lang="en-US"/>
           </a:p>
@@ -4700,8 +4700,8 @@
           </a:fontRef>
         </p:style>
       </p:cxnSp>
-      <mc:AlternateContent xmlns:mc="http://schemas.openxmlformats.org/markup-compatibility/2006">
-        <mc:Choice xmlns:a14="http://schemas.microsoft.com/office/drawing/2010/main" Requires="a14">
+      <mc:AlternateContent xmlns:mc="http://schemas.openxmlformats.org/markup-compatibility/2006" xmlns:a14="http://schemas.microsoft.com/office/drawing/2010/main">
+        <mc:Choice Requires="a14">
           <p:sp>
             <p:nvSpPr>
               <p:cNvPr id="85" name="TextBox 84">
@@ -4758,7 +4758,7 @@
             </p:txBody>
           </p:sp>
         </mc:Choice>
-        <mc:Fallback>
+        <mc:Fallback xmlns="">
           <p:sp>
             <p:nvSpPr>
               <p:cNvPr id="85" name="TextBox 84">
@@ -4803,8 +4803,8 @@
           </p:sp>
         </mc:Fallback>
       </mc:AlternateContent>
-      <mc:AlternateContent xmlns:mc="http://schemas.openxmlformats.org/markup-compatibility/2006">
-        <mc:Choice xmlns:a14="http://schemas.microsoft.com/office/drawing/2010/main" Requires="a14">
+      <mc:AlternateContent xmlns:mc="http://schemas.openxmlformats.org/markup-compatibility/2006" xmlns:a14="http://schemas.microsoft.com/office/drawing/2010/main">
+        <mc:Choice Requires="a14">
           <p:sp>
             <p:nvSpPr>
               <p:cNvPr id="86" name="TextBox 85">
@@ -4876,7 +4876,7 @@
             </p:txBody>
           </p:sp>
         </mc:Choice>
-        <mc:Fallback>
+        <mc:Fallback xmlns="">
           <p:sp>
             <p:nvSpPr>
               <p:cNvPr id="86" name="TextBox 85">
@@ -6569,7 +6569,7 @@
         </p:nvGrpSpPr>
         <p:grpSpPr>
           <a:xfrm>
-            <a:off x="6440976" y="4503767"/>
+            <a:off x="6147473" y="4495164"/>
             <a:ext cx="2472508" cy="105104"/>
             <a:chOff x="4678396" y="2631980"/>
             <a:chExt cx="2472508" cy="105104"/>
